--- a/Präsentation.pptx
+++ b/Präsentation.pptx
@@ -7,7 +7,7 @@
     <p:sldMasterId id="2147483848" r:id="rId3"/>
   </p:sldMasterIdLst>
   <p:notesMasterIdLst>
-    <p:notesMasterId r:id="rId12"/>
+    <p:notesMasterId r:id="rId16"/>
   </p:notesMasterIdLst>
   <p:sldIdLst>
     <p:sldId id="323" r:id="rId4"/>
@@ -17,7 +17,11 @@
     <p:sldId id="380" r:id="rId8"/>
     <p:sldId id="381" r:id="rId9"/>
     <p:sldId id="382" r:id="rId10"/>
-    <p:sldId id="383" r:id="rId11"/>
+    <p:sldId id="384" r:id="rId11"/>
+    <p:sldId id="385" r:id="rId12"/>
+    <p:sldId id="386" r:id="rId13"/>
+    <p:sldId id="387" r:id="rId14"/>
+    <p:sldId id="383" r:id="rId15"/>
   </p:sldIdLst>
   <p:sldSz cx="9144000" cy="6858000" type="screen4x3"/>
   <p:notesSz cx="6805613" cy="9939338"/>
@@ -3460,6 +3464,176 @@
 </p:notes>
 </file>
 
+<file path=ppt/notesSlides/notesSlide10.xml><?xml version="1.0" encoding="utf-8"?>
+<p:notes xmlns:a="http://schemas.openxmlformats.org/drawingml/2006/main" xmlns:r="http://schemas.openxmlformats.org/officeDocument/2006/relationships" xmlns:p="http://schemas.openxmlformats.org/presentationml/2006/main">
+  <p:cSld>
+    <p:spTree>
+      <p:nvGrpSpPr>
+        <p:cNvPr id="1" name=""/>
+        <p:cNvGrpSpPr/>
+        <p:nvPr/>
+      </p:nvGrpSpPr>
+      <p:grpSpPr>
+        <a:xfrm>
+          <a:off x="0" y="0"/>
+          <a:ext cx="0" cy="0"/>
+          <a:chOff x="0" y="0"/>
+          <a:chExt cx="0" cy="0"/>
+        </a:xfrm>
+      </p:grpSpPr>
+      <p:sp>
+        <p:nvSpPr>
+          <p:cNvPr id="2" name="Folienbildplatzhalter 1"/>
+          <p:cNvSpPr>
+            <a:spLocks noGrp="1" noRot="1" noChangeAspect="1"/>
+          </p:cNvSpPr>
+          <p:nvPr>
+            <p:ph type="sldImg"/>
+          </p:nvPr>
+        </p:nvSpPr>
+        <p:spPr/>
+      </p:sp>
+      <p:sp>
+        <p:nvSpPr>
+          <p:cNvPr id="3" name="Notizenplatzhalter 2"/>
+          <p:cNvSpPr>
+            <a:spLocks noGrp="1"/>
+          </p:cNvSpPr>
+          <p:nvPr>
+            <p:ph type="body" idx="1"/>
+          </p:nvPr>
+        </p:nvSpPr>
+        <p:spPr/>
+        <p:txBody>
+          <a:bodyPr/>
+          <a:lstStyle/>
+          <a:p>
+            <a:endParaRPr lang="de-DE" dirty="0"/>
+          </a:p>
+        </p:txBody>
+      </p:sp>
+      <p:sp>
+        <p:nvSpPr>
+          <p:cNvPr id="4" name="Foliennummernplatzhalter 3"/>
+          <p:cNvSpPr>
+            <a:spLocks noGrp="1"/>
+          </p:cNvSpPr>
+          <p:nvPr>
+            <p:ph type="sldNum" sz="quarter" idx="5"/>
+          </p:nvPr>
+        </p:nvSpPr>
+        <p:spPr/>
+        <p:txBody>
+          <a:bodyPr/>
+          <a:lstStyle/>
+          <a:p>
+            <a:fld id="{45AA7A2F-9B2B-40B9-9D74-2EB02CF5C8E1}" type="slidenum">
+              <a:rPr lang="de-DE" altLang="de-DE" smtClean="0"/>
+              <a:pPr/>
+              <a:t>10</a:t>
+            </a:fld>
+            <a:endParaRPr lang="de-DE" altLang="de-DE"/>
+          </a:p>
+        </p:txBody>
+      </p:sp>
+    </p:spTree>
+    <p:extLst>
+      <p:ext uri="{BB962C8B-B14F-4D97-AF65-F5344CB8AC3E}">
+        <p14:creationId xmlns:p14="http://schemas.microsoft.com/office/powerpoint/2010/main" val="431087828"/>
+      </p:ext>
+    </p:extLst>
+  </p:cSld>
+  <p:clrMapOvr>
+    <a:masterClrMapping/>
+  </p:clrMapOvr>
+</p:notes>
+</file>
+
+<file path=ppt/notesSlides/notesSlide11.xml><?xml version="1.0" encoding="utf-8"?>
+<p:notes xmlns:a="http://schemas.openxmlformats.org/drawingml/2006/main" xmlns:r="http://schemas.openxmlformats.org/officeDocument/2006/relationships" xmlns:p="http://schemas.openxmlformats.org/presentationml/2006/main">
+  <p:cSld>
+    <p:spTree>
+      <p:nvGrpSpPr>
+        <p:cNvPr id="1" name=""/>
+        <p:cNvGrpSpPr/>
+        <p:nvPr/>
+      </p:nvGrpSpPr>
+      <p:grpSpPr>
+        <a:xfrm>
+          <a:off x="0" y="0"/>
+          <a:ext cx="0" cy="0"/>
+          <a:chOff x="0" y="0"/>
+          <a:chExt cx="0" cy="0"/>
+        </a:xfrm>
+      </p:grpSpPr>
+      <p:sp>
+        <p:nvSpPr>
+          <p:cNvPr id="2" name="Folienbildplatzhalter 1"/>
+          <p:cNvSpPr>
+            <a:spLocks noGrp="1" noRot="1" noChangeAspect="1"/>
+          </p:cNvSpPr>
+          <p:nvPr>
+            <p:ph type="sldImg"/>
+          </p:nvPr>
+        </p:nvSpPr>
+        <p:spPr/>
+      </p:sp>
+      <p:sp>
+        <p:nvSpPr>
+          <p:cNvPr id="3" name="Notizenplatzhalter 2"/>
+          <p:cNvSpPr>
+            <a:spLocks noGrp="1"/>
+          </p:cNvSpPr>
+          <p:nvPr>
+            <p:ph type="body" idx="1"/>
+          </p:nvPr>
+        </p:nvSpPr>
+        <p:spPr/>
+        <p:txBody>
+          <a:bodyPr/>
+          <a:lstStyle/>
+          <a:p>
+            <a:endParaRPr lang="de-DE" dirty="0"/>
+          </a:p>
+        </p:txBody>
+      </p:sp>
+      <p:sp>
+        <p:nvSpPr>
+          <p:cNvPr id="4" name="Foliennummernplatzhalter 3"/>
+          <p:cNvSpPr>
+            <a:spLocks noGrp="1"/>
+          </p:cNvSpPr>
+          <p:nvPr>
+            <p:ph type="sldNum" sz="quarter" idx="5"/>
+          </p:nvPr>
+        </p:nvSpPr>
+        <p:spPr/>
+        <p:txBody>
+          <a:bodyPr/>
+          <a:lstStyle/>
+          <a:p>
+            <a:fld id="{45AA7A2F-9B2B-40B9-9D74-2EB02CF5C8E1}" type="slidenum">
+              <a:rPr lang="de-DE" altLang="de-DE" smtClean="0"/>
+              <a:pPr/>
+              <a:t>11</a:t>
+            </a:fld>
+            <a:endParaRPr lang="de-DE" altLang="de-DE"/>
+          </a:p>
+        </p:txBody>
+      </p:sp>
+    </p:spTree>
+    <p:extLst>
+      <p:ext uri="{BB962C8B-B14F-4D97-AF65-F5344CB8AC3E}">
+        <p14:creationId xmlns:p14="http://schemas.microsoft.com/office/powerpoint/2010/main" val="4258329392"/>
+      </p:ext>
+    </p:extLst>
+  </p:cSld>
+  <p:clrMapOvr>
+    <a:masterClrMapping/>
+  </p:clrMapOvr>
+</p:notes>
+</file>
+
 <file path=ppt/notesSlides/notesSlide2.xml><?xml version="1.0" encoding="utf-8"?>
 <p:notes xmlns:a="http://schemas.openxmlformats.org/drawingml/2006/main" xmlns:r="http://schemas.openxmlformats.org/officeDocument/2006/relationships" xmlns:p="http://schemas.openxmlformats.org/presentationml/2006/main">
   <p:cSld>
@@ -3965,6 +4139,176 @@
     <p:extLst>
       <p:ext uri="{BB962C8B-B14F-4D97-AF65-F5344CB8AC3E}">
         <p14:creationId xmlns:p14="http://schemas.microsoft.com/office/powerpoint/2010/main" val="2291709612"/>
+      </p:ext>
+    </p:extLst>
+  </p:cSld>
+  <p:clrMapOvr>
+    <a:masterClrMapping/>
+  </p:clrMapOvr>
+</p:notes>
+</file>
+
+<file path=ppt/notesSlides/notesSlide8.xml><?xml version="1.0" encoding="utf-8"?>
+<p:notes xmlns:a="http://schemas.openxmlformats.org/drawingml/2006/main" xmlns:r="http://schemas.openxmlformats.org/officeDocument/2006/relationships" xmlns:p="http://schemas.openxmlformats.org/presentationml/2006/main">
+  <p:cSld>
+    <p:spTree>
+      <p:nvGrpSpPr>
+        <p:cNvPr id="1" name=""/>
+        <p:cNvGrpSpPr/>
+        <p:nvPr/>
+      </p:nvGrpSpPr>
+      <p:grpSpPr>
+        <a:xfrm>
+          <a:off x="0" y="0"/>
+          <a:ext cx="0" cy="0"/>
+          <a:chOff x="0" y="0"/>
+          <a:chExt cx="0" cy="0"/>
+        </a:xfrm>
+      </p:grpSpPr>
+      <p:sp>
+        <p:nvSpPr>
+          <p:cNvPr id="2" name="Folienbildplatzhalter 1"/>
+          <p:cNvSpPr>
+            <a:spLocks noGrp="1" noRot="1" noChangeAspect="1"/>
+          </p:cNvSpPr>
+          <p:nvPr>
+            <p:ph type="sldImg"/>
+          </p:nvPr>
+        </p:nvSpPr>
+        <p:spPr/>
+      </p:sp>
+      <p:sp>
+        <p:nvSpPr>
+          <p:cNvPr id="3" name="Notizenplatzhalter 2"/>
+          <p:cNvSpPr>
+            <a:spLocks noGrp="1"/>
+          </p:cNvSpPr>
+          <p:nvPr>
+            <p:ph type="body" idx="1"/>
+          </p:nvPr>
+        </p:nvSpPr>
+        <p:spPr/>
+        <p:txBody>
+          <a:bodyPr/>
+          <a:lstStyle/>
+          <a:p>
+            <a:endParaRPr lang="de-DE" dirty="0"/>
+          </a:p>
+        </p:txBody>
+      </p:sp>
+      <p:sp>
+        <p:nvSpPr>
+          <p:cNvPr id="4" name="Foliennummernplatzhalter 3"/>
+          <p:cNvSpPr>
+            <a:spLocks noGrp="1"/>
+          </p:cNvSpPr>
+          <p:nvPr>
+            <p:ph type="sldNum" sz="quarter" idx="5"/>
+          </p:nvPr>
+        </p:nvSpPr>
+        <p:spPr/>
+        <p:txBody>
+          <a:bodyPr/>
+          <a:lstStyle/>
+          <a:p>
+            <a:fld id="{45AA7A2F-9B2B-40B9-9D74-2EB02CF5C8E1}" type="slidenum">
+              <a:rPr lang="de-DE" altLang="de-DE" smtClean="0"/>
+              <a:pPr/>
+              <a:t>8</a:t>
+            </a:fld>
+            <a:endParaRPr lang="de-DE" altLang="de-DE"/>
+          </a:p>
+        </p:txBody>
+      </p:sp>
+    </p:spTree>
+    <p:extLst>
+      <p:ext uri="{BB962C8B-B14F-4D97-AF65-F5344CB8AC3E}">
+        <p14:creationId xmlns:p14="http://schemas.microsoft.com/office/powerpoint/2010/main" val="1897791829"/>
+      </p:ext>
+    </p:extLst>
+  </p:cSld>
+  <p:clrMapOvr>
+    <a:masterClrMapping/>
+  </p:clrMapOvr>
+</p:notes>
+</file>
+
+<file path=ppt/notesSlides/notesSlide9.xml><?xml version="1.0" encoding="utf-8"?>
+<p:notes xmlns:a="http://schemas.openxmlformats.org/drawingml/2006/main" xmlns:r="http://schemas.openxmlformats.org/officeDocument/2006/relationships" xmlns:p="http://schemas.openxmlformats.org/presentationml/2006/main">
+  <p:cSld>
+    <p:spTree>
+      <p:nvGrpSpPr>
+        <p:cNvPr id="1" name=""/>
+        <p:cNvGrpSpPr/>
+        <p:nvPr/>
+      </p:nvGrpSpPr>
+      <p:grpSpPr>
+        <a:xfrm>
+          <a:off x="0" y="0"/>
+          <a:ext cx="0" cy="0"/>
+          <a:chOff x="0" y="0"/>
+          <a:chExt cx="0" cy="0"/>
+        </a:xfrm>
+      </p:grpSpPr>
+      <p:sp>
+        <p:nvSpPr>
+          <p:cNvPr id="2" name="Folienbildplatzhalter 1"/>
+          <p:cNvSpPr>
+            <a:spLocks noGrp="1" noRot="1" noChangeAspect="1"/>
+          </p:cNvSpPr>
+          <p:nvPr>
+            <p:ph type="sldImg"/>
+          </p:nvPr>
+        </p:nvSpPr>
+        <p:spPr/>
+      </p:sp>
+      <p:sp>
+        <p:nvSpPr>
+          <p:cNvPr id="3" name="Notizenplatzhalter 2"/>
+          <p:cNvSpPr>
+            <a:spLocks noGrp="1"/>
+          </p:cNvSpPr>
+          <p:nvPr>
+            <p:ph type="body" idx="1"/>
+          </p:nvPr>
+        </p:nvSpPr>
+        <p:spPr/>
+        <p:txBody>
+          <a:bodyPr/>
+          <a:lstStyle/>
+          <a:p>
+            <a:endParaRPr lang="de-DE" dirty="0"/>
+          </a:p>
+        </p:txBody>
+      </p:sp>
+      <p:sp>
+        <p:nvSpPr>
+          <p:cNvPr id="4" name="Foliennummernplatzhalter 3"/>
+          <p:cNvSpPr>
+            <a:spLocks noGrp="1"/>
+          </p:cNvSpPr>
+          <p:nvPr>
+            <p:ph type="sldNum" sz="quarter" idx="5"/>
+          </p:nvPr>
+        </p:nvSpPr>
+        <p:spPr/>
+        <p:txBody>
+          <a:bodyPr/>
+          <a:lstStyle/>
+          <a:p>
+            <a:fld id="{45AA7A2F-9B2B-40B9-9D74-2EB02CF5C8E1}" type="slidenum">
+              <a:rPr lang="de-DE" altLang="de-DE" smtClean="0"/>
+              <a:pPr/>
+              <a:t>9</a:t>
+            </a:fld>
+            <a:endParaRPr lang="de-DE" altLang="de-DE"/>
+          </a:p>
+        </p:txBody>
+      </p:sp>
+    </p:spTree>
+    <p:extLst>
+      <p:ext uri="{BB962C8B-B14F-4D97-AF65-F5344CB8AC3E}">
+        <p14:creationId xmlns:p14="http://schemas.microsoft.com/office/powerpoint/2010/main" val="2913481872"/>
       </p:ext>
     </p:extLst>
   </p:cSld>
@@ -14911,6 +15255,799 @@
 </p:sld>
 </file>
 
+<file path=ppt/slides/slide10.xml><?xml version="1.0" encoding="utf-8"?>
+<p:sld xmlns:a="http://schemas.openxmlformats.org/drawingml/2006/main" xmlns:r="http://schemas.openxmlformats.org/officeDocument/2006/relationships" xmlns:p="http://schemas.openxmlformats.org/presentationml/2006/main">
+  <p:cSld>
+    <p:spTree>
+      <p:nvGrpSpPr>
+        <p:cNvPr id="1" name=""/>
+        <p:cNvGrpSpPr/>
+        <p:nvPr/>
+      </p:nvGrpSpPr>
+      <p:grpSpPr>
+        <a:xfrm>
+          <a:off x="0" y="0"/>
+          <a:ext cx="0" cy="0"/>
+          <a:chOff x="0" y="0"/>
+          <a:chExt cx="0" cy="0"/>
+        </a:xfrm>
+      </p:grpSpPr>
+      <p:sp>
+        <p:nvSpPr>
+          <p:cNvPr id="2" name="Titel 1">
+            <a:extLst>
+              <a:ext uri="{FF2B5EF4-FFF2-40B4-BE49-F238E27FC236}">
+                <a16:creationId xmlns:a16="http://schemas.microsoft.com/office/drawing/2014/main" id="{85A3630F-75CA-401B-A4F8-6FD29D3733CD}"/>
+              </a:ext>
+            </a:extLst>
+          </p:cNvPr>
+          <p:cNvSpPr>
+            <a:spLocks noGrp="1"/>
+          </p:cNvSpPr>
+          <p:nvPr>
+            <p:ph type="title"/>
+          </p:nvPr>
+        </p:nvSpPr>
+        <p:spPr>
+          <a:xfrm>
+            <a:off x="503238" y="620688"/>
+            <a:ext cx="7381875" cy="1000125"/>
+          </a:xfrm>
+        </p:spPr>
+        <p:txBody>
+          <a:bodyPr/>
+          <a:lstStyle/>
+          <a:p>
+            <a:r>
+              <a:rPr lang="de-DE" sz="3200" dirty="0"/>
+              <a:t>Pest im Mittelalter</a:t>
+            </a:r>
+          </a:p>
+        </p:txBody>
+      </p:sp>
+      <p:sp>
+        <p:nvSpPr>
+          <p:cNvPr id="6" name="Rechteck 5">
+            <a:extLst>
+              <a:ext uri="{FF2B5EF4-FFF2-40B4-BE49-F238E27FC236}">
+                <a16:creationId xmlns:a16="http://schemas.microsoft.com/office/drawing/2014/main" id="{AF12B9D7-B0AF-495F-8EFB-8527AB721D84}"/>
+              </a:ext>
+            </a:extLst>
+          </p:cNvPr>
+          <p:cNvSpPr/>
+          <p:nvPr/>
+        </p:nvSpPr>
+        <p:spPr>
+          <a:xfrm>
+            <a:off x="107504" y="6381328"/>
+            <a:ext cx="1728192" cy="315392"/>
+          </a:xfrm>
+          <a:prstGeom prst="rect">
+            <a:avLst/>
+          </a:prstGeom>
+        </p:spPr>
+        <p:style>
+          <a:lnRef idx="3">
+            <a:schemeClr val="lt1"/>
+          </a:lnRef>
+          <a:fillRef idx="1">
+            <a:schemeClr val="accent5"/>
+          </a:fillRef>
+          <a:effectRef idx="1">
+            <a:schemeClr val="accent5"/>
+          </a:effectRef>
+          <a:fontRef idx="minor">
+            <a:schemeClr val="lt1"/>
+          </a:fontRef>
+        </p:style>
+        <p:txBody>
+          <a:bodyPr rtlCol="0" anchor="ctr"/>
+          <a:lstStyle/>
+          <a:p>
+            <a:pPr algn="ctr"/>
+            <a:r>
+              <a:rPr lang="de-DE" sz="1600" dirty="0"/>
+              <a:t>Hintergrund</a:t>
+            </a:r>
+          </a:p>
+        </p:txBody>
+      </p:sp>
+      <p:sp>
+        <p:nvSpPr>
+          <p:cNvPr id="7" name="Rechteck 6">
+            <a:extLst>
+              <a:ext uri="{FF2B5EF4-FFF2-40B4-BE49-F238E27FC236}">
+                <a16:creationId xmlns:a16="http://schemas.microsoft.com/office/drawing/2014/main" id="{0A0E1088-9BBD-40BA-B13D-B118A4074DB4}"/>
+              </a:ext>
+            </a:extLst>
+          </p:cNvPr>
+          <p:cNvSpPr/>
+          <p:nvPr/>
+        </p:nvSpPr>
+        <p:spPr>
+          <a:xfrm>
+            <a:off x="1907704" y="6381328"/>
+            <a:ext cx="1728192" cy="315392"/>
+          </a:xfrm>
+          <a:prstGeom prst="rect">
+            <a:avLst/>
+          </a:prstGeom>
+        </p:spPr>
+        <p:style>
+          <a:lnRef idx="3">
+            <a:schemeClr val="lt1"/>
+          </a:lnRef>
+          <a:fillRef idx="1">
+            <a:schemeClr val="accent1"/>
+          </a:fillRef>
+          <a:effectRef idx="1">
+            <a:schemeClr val="accent1"/>
+          </a:effectRef>
+          <a:fontRef idx="minor">
+            <a:schemeClr val="lt1"/>
+          </a:fontRef>
+        </p:style>
+        <p:txBody>
+          <a:bodyPr rtlCol="0" anchor="ctr"/>
+          <a:lstStyle/>
+          <a:p>
+            <a:pPr algn="ctr"/>
+            <a:r>
+              <a:rPr lang="de-DE" sz="1600" dirty="0"/>
+              <a:t>Analyse</a:t>
+            </a:r>
+          </a:p>
+        </p:txBody>
+      </p:sp>
+      <p:sp>
+        <p:nvSpPr>
+          <p:cNvPr id="8" name="Rechteck 7">
+            <a:extLst>
+              <a:ext uri="{FF2B5EF4-FFF2-40B4-BE49-F238E27FC236}">
+                <a16:creationId xmlns:a16="http://schemas.microsoft.com/office/drawing/2014/main" id="{2C14A688-BB41-468E-B74F-61180DA3EBC9}"/>
+              </a:ext>
+            </a:extLst>
+          </p:cNvPr>
+          <p:cNvSpPr/>
+          <p:nvPr/>
+        </p:nvSpPr>
+        <p:spPr>
+          <a:xfrm>
+            <a:off x="3707904" y="6381328"/>
+            <a:ext cx="1728192" cy="315392"/>
+          </a:xfrm>
+          <a:prstGeom prst="rect">
+            <a:avLst/>
+          </a:prstGeom>
+        </p:spPr>
+        <p:style>
+          <a:lnRef idx="3">
+            <a:schemeClr val="lt1"/>
+          </a:lnRef>
+          <a:fillRef idx="1">
+            <a:schemeClr val="dk1"/>
+          </a:fillRef>
+          <a:effectRef idx="1">
+            <a:schemeClr val="dk1"/>
+          </a:effectRef>
+          <a:fontRef idx="minor">
+            <a:schemeClr val="lt1"/>
+          </a:fontRef>
+        </p:style>
+        <p:txBody>
+          <a:bodyPr rtlCol="0" anchor="ctr"/>
+          <a:lstStyle/>
+          <a:p>
+            <a:pPr algn="ctr"/>
+            <a:r>
+              <a:rPr lang="de-DE" sz="1600" dirty="0"/>
+              <a:t>Planung</a:t>
+            </a:r>
+          </a:p>
+        </p:txBody>
+      </p:sp>
+      <p:sp>
+        <p:nvSpPr>
+          <p:cNvPr id="9" name="Rechteck 8">
+            <a:extLst>
+              <a:ext uri="{FF2B5EF4-FFF2-40B4-BE49-F238E27FC236}">
+                <a16:creationId xmlns:a16="http://schemas.microsoft.com/office/drawing/2014/main" id="{C697DA87-24E4-468E-8E05-3CA46A9FB734}"/>
+              </a:ext>
+            </a:extLst>
+          </p:cNvPr>
+          <p:cNvSpPr/>
+          <p:nvPr/>
+        </p:nvSpPr>
+        <p:spPr>
+          <a:xfrm>
+            <a:off x="5508104" y="6381328"/>
+            <a:ext cx="1728192" cy="315392"/>
+          </a:xfrm>
+          <a:prstGeom prst="rect">
+            <a:avLst/>
+          </a:prstGeom>
+        </p:spPr>
+        <p:style>
+          <a:lnRef idx="3">
+            <a:schemeClr val="lt1"/>
+          </a:lnRef>
+          <a:fillRef idx="1">
+            <a:schemeClr val="dk1"/>
+          </a:fillRef>
+          <a:effectRef idx="1">
+            <a:schemeClr val="dk1"/>
+          </a:effectRef>
+          <a:fontRef idx="minor">
+            <a:schemeClr val="lt1"/>
+          </a:fontRef>
+        </p:style>
+        <p:txBody>
+          <a:bodyPr rtlCol="0" anchor="ctr"/>
+          <a:lstStyle/>
+          <a:p>
+            <a:pPr algn="ctr"/>
+            <a:r>
+              <a:rPr lang="de-DE" sz="1600" dirty="0"/>
+              <a:t>Implementierung</a:t>
+            </a:r>
+          </a:p>
+        </p:txBody>
+      </p:sp>
+      <p:sp>
+        <p:nvSpPr>
+          <p:cNvPr id="10" name="Rechteck 9">
+            <a:extLst>
+              <a:ext uri="{FF2B5EF4-FFF2-40B4-BE49-F238E27FC236}">
+                <a16:creationId xmlns:a16="http://schemas.microsoft.com/office/drawing/2014/main" id="{84159EA1-B77A-4A14-9ECC-1D0AE113E8CD}"/>
+              </a:ext>
+            </a:extLst>
+          </p:cNvPr>
+          <p:cNvSpPr/>
+          <p:nvPr/>
+        </p:nvSpPr>
+        <p:spPr>
+          <a:xfrm>
+            <a:off x="7308304" y="6381328"/>
+            <a:ext cx="1728192" cy="315392"/>
+          </a:xfrm>
+          <a:prstGeom prst="rect">
+            <a:avLst/>
+          </a:prstGeom>
+        </p:spPr>
+        <p:style>
+          <a:lnRef idx="3">
+            <a:schemeClr val="lt1"/>
+          </a:lnRef>
+          <a:fillRef idx="1">
+            <a:schemeClr val="dk1"/>
+          </a:fillRef>
+          <a:effectRef idx="1">
+            <a:schemeClr val="dk1"/>
+          </a:effectRef>
+          <a:fontRef idx="minor">
+            <a:schemeClr val="lt1"/>
+          </a:fontRef>
+        </p:style>
+        <p:txBody>
+          <a:bodyPr rtlCol="0" anchor="ctr"/>
+          <a:lstStyle/>
+          <a:p>
+            <a:pPr algn="ctr"/>
+            <a:r>
+              <a:rPr lang="de-DE" sz="1600" dirty="0"/>
+              <a:t>Fazit</a:t>
+            </a:r>
+          </a:p>
+        </p:txBody>
+      </p:sp>
+      <p:pic>
+        <p:nvPicPr>
+          <p:cNvPr id="12" name="Inhaltsplatzhalter 11" descr="Ein Bild, das Text, Buch enthält.&#10;&#10;Mit sehr hoher Zuverlässigkeit generierte Beschreibung">
+            <a:extLst>
+              <a:ext uri="{FF2B5EF4-FFF2-40B4-BE49-F238E27FC236}">
+                <a16:creationId xmlns:a16="http://schemas.microsoft.com/office/drawing/2014/main" id="{9DC672CE-6C47-4536-BC29-B2DC6CB232EB}"/>
+              </a:ext>
+            </a:extLst>
+          </p:cNvPr>
+          <p:cNvPicPr>
+            <a:picLocks noGrp="1" noChangeAspect="1"/>
+          </p:cNvPicPr>
+          <p:nvPr>
+            <p:ph idx="1"/>
+          </p:nvPr>
+        </p:nvPicPr>
+        <p:blipFill>
+          <a:blip r:embed="rId3">
+            <a:extLst>
+              <a:ext uri="{28A0092B-C50C-407E-A947-70E740481C1C}">
+                <a14:useLocalDpi xmlns:a14="http://schemas.microsoft.com/office/drawing/2010/main" val="0"/>
+              </a:ext>
+            </a:extLst>
+          </a:blip>
+          <a:stretch>
+            <a:fillRect/>
+          </a:stretch>
+        </p:blipFill>
+        <p:spPr>
+          <a:xfrm>
+            <a:off x="1691680" y="1484784"/>
+            <a:ext cx="5720457" cy="4664373"/>
+          </a:xfrm>
+        </p:spPr>
+      </p:pic>
+    </p:spTree>
+    <p:extLst>
+      <p:ext uri="{BB962C8B-B14F-4D97-AF65-F5344CB8AC3E}">
+        <p14:creationId xmlns:p14="http://schemas.microsoft.com/office/powerpoint/2010/main" val="135532291"/>
+      </p:ext>
+    </p:extLst>
+  </p:cSld>
+  <p:clrMapOvr>
+    <a:masterClrMapping/>
+  </p:clrMapOvr>
+  <p:transition>
+    <p:fade/>
+  </p:transition>
+</p:sld>
+</file>
+
+<file path=ppt/slides/slide11.xml><?xml version="1.0" encoding="utf-8"?>
+<p:sld xmlns:a="http://schemas.openxmlformats.org/drawingml/2006/main" xmlns:r="http://schemas.openxmlformats.org/officeDocument/2006/relationships" xmlns:p="http://schemas.openxmlformats.org/presentationml/2006/main">
+  <p:cSld>
+    <p:spTree>
+      <p:nvGrpSpPr>
+        <p:cNvPr id="1" name=""/>
+        <p:cNvGrpSpPr/>
+        <p:nvPr/>
+      </p:nvGrpSpPr>
+      <p:grpSpPr>
+        <a:xfrm>
+          <a:off x="0" y="0"/>
+          <a:ext cx="0" cy="0"/>
+          <a:chOff x="0" y="0"/>
+          <a:chExt cx="0" cy="0"/>
+        </a:xfrm>
+      </p:grpSpPr>
+      <p:sp>
+        <p:nvSpPr>
+          <p:cNvPr id="2" name="Titel 1">
+            <a:extLst>
+              <a:ext uri="{FF2B5EF4-FFF2-40B4-BE49-F238E27FC236}">
+                <a16:creationId xmlns:a16="http://schemas.microsoft.com/office/drawing/2014/main" id="{85A3630F-75CA-401B-A4F8-6FD29D3733CD}"/>
+              </a:ext>
+            </a:extLst>
+          </p:cNvPr>
+          <p:cNvSpPr>
+            <a:spLocks noGrp="1"/>
+          </p:cNvSpPr>
+          <p:nvPr>
+            <p:ph type="title"/>
+          </p:nvPr>
+        </p:nvSpPr>
+        <p:spPr>
+          <a:xfrm>
+            <a:off x="503238" y="620688"/>
+            <a:ext cx="7381875" cy="1000125"/>
+          </a:xfrm>
+        </p:spPr>
+        <p:txBody>
+          <a:bodyPr/>
+          <a:lstStyle/>
+          <a:p>
+            <a:r>
+              <a:rPr lang="de-DE" sz="3200" dirty="0"/>
+              <a:t>Demographischer Verlauf</a:t>
+            </a:r>
+          </a:p>
+        </p:txBody>
+      </p:sp>
+      <p:sp>
+        <p:nvSpPr>
+          <p:cNvPr id="6" name="Rechteck 5">
+            <a:extLst>
+              <a:ext uri="{FF2B5EF4-FFF2-40B4-BE49-F238E27FC236}">
+                <a16:creationId xmlns:a16="http://schemas.microsoft.com/office/drawing/2014/main" id="{AF12B9D7-B0AF-495F-8EFB-8527AB721D84}"/>
+              </a:ext>
+            </a:extLst>
+          </p:cNvPr>
+          <p:cNvSpPr/>
+          <p:nvPr/>
+        </p:nvSpPr>
+        <p:spPr>
+          <a:xfrm>
+            <a:off x="107504" y="6381328"/>
+            <a:ext cx="1728192" cy="315392"/>
+          </a:xfrm>
+          <a:prstGeom prst="rect">
+            <a:avLst/>
+          </a:prstGeom>
+        </p:spPr>
+        <p:style>
+          <a:lnRef idx="3">
+            <a:schemeClr val="lt1"/>
+          </a:lnRef>
+          <a:fillRef idx="1">
+            <a:schemeClr val="accent1"/>
+          </a:fillRef>
+          <a:effectRef idx="1">
+            <a:schemeClr val="accent1"/>
+          </a:effectRef>
+          <a:fontRef idx="minor">
+            <a:schemeClr val="lt1"/>
+          </a:fontRef>
+        </p:style>
+        <p:txBody>
+          <a:bodyPr rtlCol="0" anchor="ctr"/>
+          <a:lstStyle/>
+          <a:p>
+            <a:pPr algn="ctr"/>
+            <a:r>
+              <a:rPr lang="de-DE" sz="1600" dirty="0"/>
+              <a:t>Hintergrund</a:t>
+            </a:r>
+          </a:p>
+        </p:txBody>
+      </p:sp>
+      <p:sp>
+        <p:nvSpPr>
+          <p:cNvPr id="7" name="Rechteck 6">
+            <a:extLst>
+              <a:ext uri="{FF2B5EF4-FFF2-40B4-BE49-F238E27FC236}">
+                <a16:creationId xmlns:a16="http://schemas.microsoft.com/office/drawing/2014/main" id="{0A0E1088-9BBD-40BA-B13D-B118A4074DB4}"/>
+              </a:ext>
+            </a:extLst>
+          </p:cNvPr>
+          <p:cNvSpPr/>
+          <p:nvPr/>
+        </p:nvSpPr>
+        <p:spPr>
+          <a:xfrm>
+            <a:off x="1907704" y="6381328"/>
+            <a:ext cx="1728192" cy="315392"/>
+          </a:xfrm>
+          <a:prstGeom prst="rect">
+            <a:avLst/>
+          </a:prstGeom>
+        </p:spPr>
+        <p:style>
+          <a:lnRef idx="3">
+            <a:schemeClr val="lt1"/>
+          </a:lnRef>
+          <a:fillRef idx="1">
+            <a:schemeClr val="accent5"/>
+          </a:fillRef>
+          <a:effectRef idx="1">
+            <a:schemeClr val="accent5"/>
+          </a:effectRef>
+          <a:fontRef idx="minor">
+            <a:schemeClr val="lt1"/>
+          </a:fontRef>
+        </p:style>
+        <p:txBody>
+          <a:bodyPr rtlCol="0" anchor="ctr"/>
+          <a:lstStyle/>
+          <a:p>
+            <a:pPr algn="ctr"/>
+            <a:r>
+              <a:rPr lang="de-DE" sz="1600" dirty="0"/>
+              <a:t>Analyse</a:t>
+            </a:r>
+          </a:p>
+        </p:txBody>
+      </p:sp>
+      <p:sp>
+        <p:nvSpPr>
+          <p:cNvPr id="8" name="Rechteck 7">
+            <a:extLst>
+              <a:ext uri="{FF2B5EF4-FFF2-40B4-BE49-F238E27FC236}">
+                <a16:creationId xmlns:a16="http://schemas.microsoft.com/office/drawing/2014/main" id="{2C14A688-BB41-468E-B74F-61180DA3EBC9}"/>
+              </a:ext>
+            </a:extLst>
+          </p:cNvPr>
+          <p:cNvSpPr/>
+          <p:nvPr/>
+        </p:nvSpPr>
+        <p:spPr>
+          <a:xfrm>
+            <a:off x="3707904" y="6381328"/>
+            <a:ext cx="1728192" cy="315392"/>
+          </a:xfrm>
+          <a:prstGeom prst="rect">
+            <a:avLst/>
+          </a:prstGeom>
+        </p:spPr>
+        <p:style>
+          <a:lnRef idx="3">
+            <a:schemeClr val="lt1"/>
+          </a:lnRef>
+          <a:fillRef idx="1">
+            <a:schemeClr val="dk1"/>
+          </a:fillRef>
+          <a:effectRef idx="1">
+            <a:schemeClr val="dk1"/>
+          </a:effectRef>
+          <a:fontRef idx="minor">
+            <a:schemeClr val="lt1"/>
+          </a:fontRef>
+        </p:style>
+        <p:txBody>
+          <a:bodyPr rtlCol="0" anchor="ctr"/>
+          <a:lstStyle/>
+          <a:p>
+            <a:pPr algn="ctr"/>
+            <a:r>
+              <a:rPr lang="de-DE" sz="1600" dirty="0"/>
+              <a:t>Planung</a:t>
+            </a:r>
+          </a:p>
+        </p:txBody>
+      </p:sp>
+      <p:sp>
+        <p:nvSpPr>
+          <p:cNvPr id="9" name="Rechteck 8">
+            <a:extLst>
+              <a:ext uri="{FF2B5EF4-FFF2-40B4-BE49-F238E27FC236}">
+                <a16:creationId xmlns:a16="http://schemas.microsoft.com/office/drawing/2014/main" id="{C697DA87-24E4-468E-8E05-3CA46A9FB734}"/>
+              </a:ext>
+            </a:extLst>
+          </p:cNvPr>
+          <p:cNvSpPr/>
+          <p:nvPr/>
+        </p:nvSpPr>
+        <p:spPr>
+          <a:xfrm>
+            <a:off x="5508104" y="6381328"/>
+            <a:ext cx="1728192" cy="315392"/>
+          </a:xfrm>
+          <a:prstGeom prst="rect">
+            <a:avLst/>
+          </a:prstGeom>
+        </p:spPr>
+        <p:style>
+          <a:lnRef idx="3">
+            <a:schemeClr val="lt1"/>
+          </a:lnRef>
+          <a:fillRef idx="1">
+            <a:schemeClr val="dk1"/>
+          </a:fillRef>
+          <a:effectRef idx="1">
+            <a:schemeClr val="dk1"/>
+          </a:effectRef>
+          <a:fontRef idx="minor">
+            <a:schemeClr val="lt1"/>
+          </a:fontRef>
+        </p:style>
+        <p:txBody>
+          <a:bodyPr rtlCol="0" anchor="ctr"/>
+          <a:lstStyle/>
+          <a:p>
+            <a:pPr algn="ctr"/>
+            <a:r>
+              <a:rPr lang="de-DE" sz="1600" dirty="0"/>
+              <a:t>Implementierung</a:t>
+            </a:r>
+          </a:p>
+        </p:txBody>
+      </p:sp>
+      <p:sp>
+        <p:nvSpPr>
+          <p:cNvPr id="10" name="Rechteck 9">
+            <a:extLst>
+              <a:ext uri="{FF2B5EF4-FFF2-40B4-BE49-F238E27FC236}">
+                <a16:creationId xmlns:a16="http://schemas.microsoft.com/office/drawing/2014/main" id="{84159EA1-B77A-4A14-9ECC-1D0AE113E8CD}"/>
+              </a:ext>
+            </a:extLst>
+          </p:cNvPr>
+          <p:cNvSpPr/>
+          <p:nvPr/>
+        </p:nvSpPr>
+        <p:spPr>
+          <a:xfrm>
+            <a:off x="7308304" y="6381328"/>
+            <a:ext cx="1728192" cy="315392"/>
+          </a:xfrm>
+          <a:prstGeom prst="rect">
+            <a:avLst/>
+          </a:prstGeom>
+        </p:spPr>
+        <p:style>
+          <a:lnRef idx="3">
+            <a:schemeClr val="lt1"/>
+          </a:lnRef>
+          <a:fillRef idx="1">
+            <a:schemeClr val="dk1"/>
+          </a:fillRef>
+          <a:effectRef idx="1">
+            <a:schemeClr val="dk1"/>
+          </a:effectRef>
+          <a:fontRef idx="minor">
+            <a:schemeClr val="lt1"/>
+          </a:fontRef>
+        </p:style>
+        <p:txBody>
+          <a:bodyPr rtlCol="0" anchor="ctr"/>
+          <a:lstStyle/>
+          <a:p>
+            <a:pPr algn="ctr"/>
+            <a:r>
+              <a:rPr lang="de-DE" sz="1600" dirty="0"/>
+              <a:t>Fazit</a:t>
+            </a:r>
+          </a:p>
+        </p:txBody>
+      </p:sp>
+      <p:sp>
+        <p:nvSpPr>
+          <p:cNvPr id="4" name="Inhaltsplatzhalter 3">
+            <a:extLst>
+              <a:ext uri="{FF2B5EF4-FFF2-40B4-BE49-F238E27FC236}">
+                <a16:creationId xmlns:a16="http://schemas.microsoft.com/office/drawing/2014/main" id="{BDE017BE-9034-4D34-AAEE-10465F3781A2}"/>
+              </a:ext>
+            </a:extLst>
+          </p:cNvPr>
+          <p:cNvSpPr>
+            <a:spLocks noGrp="1"/>
+          </p:cNvSpPr>
+          <p:nvPr>
+            <p:ph idx="1"/>
+          </p:nvPr>
+        </p:nvSpPr>
+        <p:spPr>
+          <a:xfrm>
+            <a:off x="503238" y="1772816"/>
+            <a:ext cx="7381875" cy="3987800"/>
+          </a:xfrm>
+        </p:spPr>
+        <p:txBody>
+          <a:bodyPr/>
+          <a:lstStyle/>
+          <a:p>
+            <a:endParaRPr lang="de-DE" dirty="0"/>
+          </a:p>
+        </p:txBody>
+      </p:sp>
+    </p:spTree>
+    <p:extLst>
+      <p:ext uri="{BB962C8B-B14F-4D97-AF65-F5344CB8AC3E}">
+        <p14:creationId xmlns:p14="http://schemas.microsoft.com/office/powerpoint/2010/main" val="2329319287"/>
+      </p:ext>
+    </p:extLst>
+  </p:cSld>
+  <p:clrMapOvr>
+    <a:masterClrMapping/>
+  </p:clrMapOvr>
+  <p:transition>
+    <p:fade/>
+  </p:transition>
+</p:sld>
+</file>
+
+<file path=ppt/slides/slide12.xml><?xml version="1.0" encoding="utf-8"?>
+<p:sld xmlns:a="http://schemas.openxmlformats.org/drawingml/2006/main" xmlns:r="http://schemas.openxmlformats.org/officeDocument/2006/relationships" xmlns:p="http://schemas.openxmlformats.org/presentationml/2006/main">
+  <p:cSld>
+    <p:spTree>
+      <p:nvGrpSpPr>
+        <p:cNvPr id="1" name=""/>
+        <p:cNvGrpSpPr/>
+        <p:nvPr/>
+      </p:nvGrpSpPr>
+      <p:grpSpPr>
+        <a:xfrm>
+          <a:off x="0" y="0"/>
+          <a:ext cx="0" cy="0"/>
+          <a:chOff x="0" y="0"/>
+          <a:chExt cx="0" cy="0"/>
+        </a:xfrm>
+      </p:grpSpPr>
+      <p:sp>
+        <p:nvSpPr>
+          <p:cNvPr id="2" name="Titel 1">
+            <a:extLst>
+              <a:ext uri="{FF2B5EF4-FFF2-40B4-BE49-F238E27FC236}">
+                <a16:creationId xmlns:a16="http://schemas.microsoft.com/office/drawing/2014/main" id="{D335B73C-02AE-4933-B888-127BE1C09823}"/>
+              </a:ext>
+            </a:extLst>
+          </p:cNvPr>
+          <p:cNvSpPr>
+            <a:spLocks noGrp="1"/>
+          </p:cNvSpPr>
+          <p:nvPr>
+            <p:ph type="title"/>
+          </p:nvPr>
+        </p:nvSpPr>
+        <p:spPr>
+          <a:xfrm>
+            <a:off x="503238" y="620688"/>
+            <a:ext cx="7381875" cy="1000125"/>
+          </a:xfrm>
+        </p:spPr>
+        <p:txBody>
+          <a:bodyPr/>
+          <a:lstStyle/>
+          <a:p>
+            <a:r>
+              <a:rPr lang="de-DE" sz="3200" dirty="0"/>
+              <a:t>Quellen</a:t>
+            </a:r>
+          </a:p>
+        </p:txBody>
+      </p:sp>
+      <p:sp>
+        <p:nvSpPr>
+          <p:cNvPr id="3" name="Inhaltsplatzhalter 2">
+            <a:extLst>
+              <a:ext uri="{FF2B5EF4-FFF2-40B4-BE49-F238E27FC236}">
+                <a16:creationId xmlns:a16="http://schemas.microsoft.com/office/drawing/2014/main" id="{906CE727-3870-41A9-87B6-A6554D78E75F}"/>
+              </a:ext>
+            </a:extLst>
+          </p:cNvPr>
+          <p:cNvSpPr>
+            <a:spLocks noGrp="1"/>
+          </p:cNvSpPr>
+          <p:nvPr>
+            <p:ph idx="1"/>
+          </p:nvPr>
+        </p:nvSpPr>
+        <p:spPr>
+          <a:xfrm>
+            <a:off x="503238" y="1700808"/>
+            <a:ext cx="7381875" cy="3987800"/>
+          </a:xfrm>
+        </p:spPr>
+        <p:txBody>
+          <a:bodyPr/>
+          <a:lstStyle/>
+          <a:p>
+            <a:r>
+              <a:rPr lang="de-DE" dirty="0">
+                <a:hlinkClick r:id="rId2"/>
+              </a:rPr>
+              <a:t>https://de.wikipedia.org/wiki/Pestdoktor#/media/File:Paul_F%C3%BCrst,_Der_Doctor_Schnabel_von_Rom_(coloured_version).png</a:t>
+            </a:r>
+            <a:endParaRPr lang="de-DE" dirty="0"/>
+          </a:p>
+          <a:p>
+            <a:r>
+              <a:rPr lang="de-DE" dirty="0">
+                <a:hlinkClick r:id="rId3"/>
+              </a:rPr>
+              <a:t>https://de.wikipedia.org/wiki/Pest#/media/File:Plague_bubo.jpg</a:t>
+            </a:r>
+            <a:endParaRPr lang="de-DE" dirty="0"/>
+          </a:p>
+          <a:p>
+            <a:r>
+              <a:rPr lang="de-DE" dirty="0">
+                <a:hlinkClick r:id="rId4"/>
+              </a:rPr>
+              <a:t>http://www.zeitreise-bb.de/leonb/leonb/pest.htm</a:t>
+            </a:r>
+            <a:endParaRPr lang="de-DE" dirty="0"/>
+          </a:p>
+          <a:p>
+            <a:endParaRPr lang="de-DE" dirty="0"/>
+          </a:p>
+          <a:p>
+            <a:endParaRPr lang="de-DE" dirty="0"/>
+          </a:p>
+        </p:txBody>
+      </p:sp>
+    </p:spTree>
+    <p:extLst>
+      <p:ext uri="{BB962C8B-B14F-4D97-AF65-F5344CB8AC3E}">
+        <p14:creationId xmlns:p14="http://schemas.microsoft.com/office/powerpoint/2010/main" val="4196937766"/>
+      </p:ext>
+    </p:extLst>
+  </p:cSld>
+  <p:clrMapOvr>
+    <a:masterClrMapping/>
+  </p:clrMapOvr>
+  <p:transition>
+    <p:fade/>
+  </p:transition>
+</p:sld>
+</file>
+
 <file path=ppt/slides/slide2.xml><?xml version="1.0" encoding="utf-8"?>
 <p:sld xmlns:a="http://schemas.openxmlformats.org/drawingml/2006/main" xmlns:r="http://schemas.openxmlformats.org/officeDocument/2006/relationships" xmlns:p="http://schemas.openxmlformats.org/presentationml/2006/main">
   <p:cSld>
@@ -16807,7 +17944,7 @@
           <p:cNvPr id="2" name="Titel 1">
             <a:extLst>
               <a:ext uri="{FF2B5EF4-FFF2-40B4-BE49-F238E27FC236}">
-                <a16:creationId xmlns:a16="http://schemas.microsoft.com/office/drawing/2014/main" id="{D335B73C-02AE-4933-B888-127BE1C09823}"/>
+                <a16:creationId xmlns:a16="http://schemas.microsoft.com/office/drawing/2014/main" id="{85A3630F-75CA-401B-A4F8-6FD29D3733CD}"/>
               </a:ext>
             </a:extLst>
           </p:cNvPr>
@@ -16818,24 +17955,267 @@
             <p:ph type="title"/>
           </p:nvPr>
         </p:nvSpPr>
-        <p:spPr/>
+        <p:spPr>
+          <a:xfrm>
+            <a:off x="503238" y="620688"/>
+            <a:ext cx="7381875" cy="1000125"/>
+          </a:xfrm>
+        </p:spPr>
         <p:txBody>
           <a:bodyPr/>
           <a:lstStyle/>
           <a:p>
-            <a:endParaRPr lang="de-DE"/>
-          </a:p>
-        </p:txBody>
-      </p:sp>
-      <p:sp>
-        <p:nvSpPr>
-          <p:cNvPr id="3" name="Inhaltsplatzhalter 2">
+            <a:r>
+              <a:rPr lang="de-DE" sz="3200" dirty="0"/>
+              <a:t>Pest im Mittelalter</a:t>
+            </a:r>
+          </a:p>
+        </p:txBody>
+      </p:sp>
+      <p:sp>
+        <p:nvSpPr>
+          <p:cNvPr id="6" name="Rechteck 5">
             <a:extLst>
               <a:ext uri="{FF2B5EF4-FFF2-40B4-BE49-F238E27FC236}">
-                <a16:creationId xmlns:a16="http://schemas.microsoft.com/office/drawing/2014/main" id="{906CE727-3870-41A9-87B6-A6554D78E75F}"/>
+                <a16:creationId xmlns:a16="http://schemas.microsoft.com/office/drawing/2014/main" id="{AF12B9D7-B0AF-495F-8EFB-8527AB721D84}"/>
               </a:ext>
             </a:extLst>
           </p:cNvPr>
+          <p:cNvSpPr/>
+          <p:nvPr/>
+        </p:nvSpPr>
+        <p:spPr>
+          <a:xfrm>
+            <a:off x="107504" y="6381328"/>
+            <a:ext cx="1728192" cy="315392"/>
+          </a:xfrm>
+          <a:prstGeom prst="rect">
+            <a:avLst/>
+          </a:prstGeom>
+        </p:spPr>
+        <p:style>
+          <a:lnRef idx="3">
+            <a:schemeClr val="lt1"/>
+          </a:lnRef>
+          <a:fillRef idx="1">
+            <a:schemeClr val="accent5"/>
+          </a:fillRef>
+          <a:effectRef idx="1">
+            <a:schemeClr val="accent5"/>
+          </a:effectRef>
+          <a:fontRef idx="minor">
+            <a:schemeClr val="lt1"/>
+          </a:fontRef>
+        </p:style>
+        <p:txBody>
+          <a:bodyPr rtlCol="0" anchor="ctr"/>
+          <a:lstStyle/>
+          <a:p>
+            <a:pPr algn="ctr"/>
+            <a:r>
+              <a:rPr lang="de-DE" sz="1600" dirty="0"/>
+              <a:t>Hintergrund</a:t>
+            </a:r>
+          </a:p>
+        </p:txBody>
+      </p:sp>
+      <p:sp>
+        <p:nvSpPr>
+          <p:cNvPr id="7" name="Rechteck 6">
+            <a:extLst>
+              <a:ext uri="{FF2B5EF4-FFF2-40B4-BE49-F238E27FC236}">
+                <a16:creationId xmlns:a16="http://schemas.microsoft.com/office/drawing/2014/main" id="{0A0E1088-9BBD-40BA-B13D-B118A4074DB4}"/>
+              </a:ext>
+            </a:extLst>
+          </p:cNvPr>
+          <p:cNvSpPr/>
+          <p:nvPr/>
+        </p:nvSpPr>
+        <p:spPr>
+          <a:xfrm>
+            <a:off x="1907704" y="6381328"/>
+            <a:ext cx="1728192" cy="315392"/>
+          </a:xfrm>
+          <a:prstGeom prst="rect">
+            <a:avLst/>
+          </a:prstGeom>
+        </p:spPr>
+        <p:style>
+          <a:lnRef idx="3">
+            <a:schemeClr val="lt1"/>
+          </a:lnRef>
+          <a:fillRef idx="1">
+            <a:schemeClr val="accent1"/>
+          </a:fillRef>
+          <a:effectRef idx="1">
+            <a:schemeClr val="accent1"/>
+          </a:effectRef>
+          <a:fontRef idx="minor">
+            <a:schemeClr val="lt1"/>
+          </a:fontRef>
+        </p:style>
+        <p:txBody>
+          <a:bodyPr rtlCol="0" anchor="ctr"/>
+          <a:lstStyle/>
+          <a:p>
+            <a:pPr algn="ctr"/>
+            <a:r>
+              <a:rPr lang="de-DE" sz="1600" dirty="0"/>
+              <a:t>Analyse</a:t>
+            </a:r>
+          </a:p>
+        </p:txBody>
+      </p:sp>
+      <p:sp>
+        <p:nvSpPr>
+          <p:cNvPr id="8" name="Rechteck 7">
+            <a:extLst>
+              <a:ext uri="{FF2B5EF4-FFF2-40B4-BE49-F238E27FC236}">
+                <a16:creationId xmlns:a16="http://schemas.microsoft.com/office/drawing/2014/main" id="{2C14A688-BB41-468E-B74F-61180DA3EBC9}"/>
+              </a:ext>
+            </a:extLst>
+          </p:cNvPr>
+          <p:cNvSpPr/>
+          <p:nvPr/>
+        </p:nvSpPr>
+        <p:spPr>
+          <a:xfrm>
+            <a:off x="3707904" y="6381328"/>
+            <a:ext cx="1728192" cy="315392"/>
+          </a:xfrm>
+          <a:prstGeom prst="rect">
+            <a:avLst/>
+          </a:prstGeom>
+        </p:spPr>
+        <p:style>
+          <a:lnRef idx="3">
+            <a:schemeClr val="lt1"/>
+          </a:lnRef>
+          <a:fillRef idx="1">
+            <a:schemeClr val="dk1"/>
+          </a:fillRef>
+          <a:effectRef idx="1">
+            <a:schemeClr val="dk1"/>
+          </a:effectRef>
+          <a:fontRef idx="minor">
+            <a:schemeClr val="lt1"/>
+          </a:fontRef>
+        </p:style>
+        <p:txBody>
+          <a:bodyPr rtlCol="0" anchor="ctr"/>
+          <a:lstStyle/>
+          <a:p>
+            <a:pPr algn="ctr"/>
+            <a:r>
+              <a:rPr lang="de-DE" sz="1600" dirty="0"/>
+              <a:t>Planung</a:t>
+            </a:r>
+          </a:p>
+        </p:txBody>
+      </p:sp>
+      <p:sp>
+        <p:nvSpPr>
+          <p:cNvPr id="9" name="Rechteck 8">
+            <a:extLst>
+              <a:ext uri="{FF2B5EF4-FFF2-40B4-BE49-F238E27FC236}">
+                <a16:creationId xmlns:a16="http://schemas.microsoft.com/office/drawing/2014/main" id="{C697DA87-24E4-468E-8E05-3CA46A9FB734}"/>
+              </a:ext>
+            </a:extLst>
+          </p:cNvPr>
+          <p:cNvSpPr/>
+          <p:nvPr/>
+        </p:nvSpPr>
+        <p:spPr>
+          <a:xfrm>
+            <a:off x="5508104" y="6381328"/>
+            <a:ext cx="1728192" cy="315392"/>
+          </a:xfrm>
+          <a:prstGeom prst="rect">
+            <a:avLst/>
+          </a:prstGeom>
+        </p:spPr>
+        <p:style>
+          <a:lnRef idx="3">
+            <a:schemeClr val="lt1"/>
+          </a:lnRef>
+          <a:fillRef idx="1">
+            <a:schemeClr val="dk1"/>
+          </a:fillRef>
+          <a:effectRef idx="1">
+            <a:schemeClr val="dk1"/>
+          </a:effectRef>
+          <a:fontRef idx="minor">
+            <a:schemeClr val="lt1"/>
+          </a:fontRef>
+        </p:style>
+        <p:txBody>
+          <a:bodyPr rtlCol="0" anchor="ctr"/>
+          <a:lstStyle/>
+          <a:p>
+            <a:pPr algn="ctr"/>
+            <a:r>
+              <a:rPr lang="de-DE" sz="1600" dirty="0"/>
+              <a:t>Implementierung</a:t>
+            </a:r>
+          </a:p>
+        </p:txBody>
+      </p:sp>
+      <p:sp>
+        <p:nvSpPr>
+          <p:cNvPr id="10" name="Rechteck 9">
+            <a:extLst>
+              <a:ext uri="{FF2B5EF4-FFF2-40B4-BE49-F238E27FC236}">
+                <a16:creationId xmlns:a16="http://schemas.microsoft.com/office/drawing/2014/main" id="{84159EA1-B77A-4A14-9ECC-1D0AE113E8CD}"/>
+              </a:ext>
+            </a:extLst>
+          </p:cNvPr>
+          <p:cNvSpPr/>
+          <p:nvPr/>
+        </p:nvSpPr>
+        <p:spPr>
+          <a:xfrm>
+            <a:off x="7308304" y="6381328"/>
+            <a:ext cx="1728192" cy="315392"/>
+          </a:xfrm>
+          <a:prstGeom prst="rect">
+            <a:avLst/>
+          </a:prstGeom>
+        </p:spPr>
+        <p:style>
+          <a:lnRef idx="3">
+            <a:schemeClr val="lt1"/>
+          </a:lnRef>
+          <a:fillRef idx="1">
+            <a:schemeClr val="dk1"/>
+          </a:fillRef>
+          <a:effectRef idx="1">
+            <a:schemeClr val="dk1"/>
+          </a:effectRef>
+          <a:fontRef idx="minor">
+            <a:schemeClr val="lt1"/>
+          </a:fontRef>
+        </p:style>
+        <p:txBody>
+          <a:bodyPr rtlCol="0" anchor="ctr"/>
+          <a:lstStyle/>
+          <a:p>
+            <a:pPr algn="ctr"/>
+            <a:r>
+              <a:rPr lang="de-DE" sz="1600" dirty="0"/>
+              <a:t>Fazit</a:t>
+            </a:r>
+          </a:p>
+        </p:txBody>
+      </p:sp>
+      <p:sp>
+        <p:nvSpPr>
+          <p:cNvPr id="4" name="Inhaltsplatzhalter 3">
+            <a:extLst>
+              <a:ext uri="{FF2B5EF4-FFF2-40B4-BE49-F238E27FC236}">
+                <a16:creationId xmlns:a16="http://schemas.microsoft.com/office/drawing/2014/main" id="{6D2D8D9D-BA1D-4E4D-80AF-2AE8C4BE4AE3}"/>
+              </a:ext>
+            </a:extLst>
+          </p:cNvPr>
           <p:cNvSpPr>
             <a:spLocks noGrp="1"/>
           </p:cNvSpPr>
@@ -16843,19 +18223,405 @@
             <p:ph idx="1"/>
           </p:nvPr>
         </p:nvSpPr>
-        <p:spPr/>
+        <p:spPr>
+          <a:xfrm>
+            <a:off x="503238" y="1673923"/>
+            <a:ext cx="8245226" cy="3987800"/>
+          </a:xfrm>
+        </p:spPr>
         <p:txBody>
           <a:bodyPr/>
           <a:lstStyle/>
           <a:p>
-            <a:endParaRPr lang="de-DE"/>
+            <a:r>
+              <a:rPr lang="de-DE" sz="2400" dirty="0"/>
+              <a:t>Schiffe in Quarantäne gesetzt</a:t>
+            </a:r>
+          </a:p>
+          <a:p>
+            <a:r>
+              <a:rPr lang="de-DE" sz="2400" dirty="0"/>
+              <a:t>Zumauern von Hauswänden</a:t>
+            </a:r>
+          </a:p>
+          <a:p>
+            <a:r>
+              <a:rPr lang="de-DE" sz="2400" dirty="0"/>
+              <a:t>Theorien:</a:t>
+            </a:r>
+          </a:p>
+          <a:p>
+            <a:pPr lvl="1"/>
+            <a:r>
+              <a:rPr lang="de-DE" sz="2400" dirty="0"/>
+              <a:t>ungünstige Konstellation von Mars, Jupiter und Saturn</a:t>
+            </a:r>
+          </a:p>
+          <a:p>
+            <a:pPr lvl="1"/>
+            <a:r>
+              <a:rPr lang="de-DE" sz="2400" dirty="0"/>
+              <a:t>Verbreitung durch schlechte Winde</a:t>
+            </a:r>
           </a:p>
         </p:txBody>
       </p:sp>
     </p:spTree>
     <p:extLst>
       <p:ext uri="{BB962C8B-B14F-4D97-AF65-F5344CB8AC3E}">
-        <p14:creationId xmlns:p14="http://schemas.microsoft.com/office/powerpoint/2010/main" val="4196937766"/>
+        <p14:creationId xmlns:p14="http://schemas.microsoft.com/office/powerpoint/2010/main" val="3737725011"/>
+      </p:ext>
+    </p:extLst>
+  </p:cSld>
+  <p:clrMapOvr>
+    <a:masterClrMapping/>
+  </p:clrMapOvr>
+  <p:transition>
+    <p:fade/>
+  </p:transition>
+</p:sld>
+</file>
+
+<file path=ppt/slides/slide9.xml><?xml version="1.0" encoding="utf-8"?>
+<p:sld xmlns:a="http://schemas.openxmlformats.org/drawingml/2006/main" xmlns:r="http://schemas.openxmlformats.org/officeDocument/2006/relationships" xmlns:p="http://schemas.openxmlformats.org/presentationml/2006/main">
+  <p:cSld>
+    <p:spTree>
+      <p:nvGrpSpPr>
+        <p:cNvPr id="1" name=""/>
+        <p:cNvGrpSpPr/>
+        <p:nvPr/>
+      </p:nvGrpSpPr>
+      <p:grpSpPr>
+        <a:xfrm>
+          <a:off x="0" y="0"/>
+          <a:ext cx="0" cy="0"/>
+          <a:chOff x="0" y="0"/>
+          <a:chExt cx="0" cy="0"/>
+        </a:xfrm>
+      </p:grpSpPr>
+      <p:sp>
+        <p:nvSpPr>
+          <p:cNvPr id="2" name="Titel 1">
+            <a:extLst>
+              <a:ext uri="{FF2B5EF4-FFF2-40B4-BE49-F238E27FC236}">
+                <a16:creationId xmlns:a16="http://schemas.microsoft.com/office/drawing/2014/main" id="{85A3630F-75CA-401B-A4F8-6FD29D3733CD}"/>
+              </a:ext>
+            </a:extLst>
+          </p:cNvPr>
+          <p:cNvSpPr>
+            <a:spLocks noGrp="1"/>
+          </p:cNvSpPr>
+          <p:nvPr>
+            <p:ph type="title"/>
+          </p:nvPr>
+        </p:nvSpPr>
+        <p:spPr>
+          <a:xfrm>
+            <a:off x="503238" y="620688"/>
+            <a:ext cx="7381875" cy="1000125"/>
+          </a:xfrm>
+        </p:spPr>
+        <p:txBody>
+          <a:bodyPr/>
+          <a:lstStyle/>
+          <a:p>
+            <a:r>
+              <a:rPr lang="de-DE" sz="3200" dirty="0"/>
+              <a:t>Pest im Mittelalter</a:t>
+            </a:r>
+          </a:p>
+        </p:txBody>
+      </p:sp>
+      <p:sp>
+        <p:nvSpPr>
+          <p:cNvPr id="6" name="Rechteck 5">
+            <a:extLst>
+              <a:ext uri="{FF2B5EF4-FFF2-40B4-BE49-F238E27FC236}">
+                <a16:creationId xmlns:a16="http://schemas.microsoft.com/office/drawing/2014/main" id="{AF12B9D7-B0AF-495F-8EFB-8527AB721D84}"/>
+              </a:ext>
+            </a:extLst>
+          </p:cNvPr>
+          <p:cNvSpPr/>
+          <p:nvPr/>
+        </p:nvSpPr>
+        <p:spPr>
+          <a:xfrm>
+            <a:off x="107504" y="6381328"/>
+            <a:ext cx="1728192" cy="315392"/>
+          </a:xfrm>
+          <a:prstGeom prst="rect">
+            <a:avLst/>
+          </a:prstGeom>
+        </p:spPr>
+        <p:style>
+          <a:lnRef idx="3">
+            <a:schemeClr val="lt1"/>
+          </a:lnRef>
+          <a:fillRef idx="1">
+            <a:schemeClr val="accent5"/>
+          </a:fillRef>
+          <a:effectRef idx="1">
+            <a:schemeClr val="accent5"/>
+          </a:effectRef>
+          <a:fontRef idx="minor">
+            <a:schemeClr val="lt1"/>
+          </a:fontRef>
+        </p:style>
+        <p:txBody>
+          <a:bodyPr rtlCol="0" anchor="ctr"/>
+          <a:lstStyle/>
+          <a:p>
+            <a:pPr algn="ctr"/>
+            <a:r>
+              <a:rPr lang="de-DE" sz="1600" dirty="0"/>
+              <a:t>Hintergrund</a:t>
+            </a:r>
+          </a:p>
+        </p:txBody>
+      </p:sp>
+      <p:sp>
+        <p:nvSpPr>
+          <p:cNvPr id="7" name="Rechteck 6">
+            <a:extLst>
+              <a:ext uri="{FF2B5EF4-FFF2-40B4-BE49-F238E27FC236}">
+                <a16:creationId xmlns:a16="http://schemas.microsoft.com/office/drawing/2014/main" id="{0A0E1088-9BBD-40BA-B13D-B118A4074DB4}"/>
+              </a:ext>
+            </a:extLst>
+          </p:cNvPr>
+          <p:cNvSpPr/>
+          <p:nvPr/>
+        </p:nvSpPr>
+        <p:spPr>
+          <a:xfrm>
+            <a:off x="1907704" y="6381328"/>
+            <a:ext cx="1728192" cy="315392"/>
+          </a:xfrm>
+          <a:prstGeom prst="rect">
+            <a:avLst/>
+          </a:prstGeom>
+        </p:spPr>
+        <p:style>
+          <a:lnRef idx="3">
+            <a:schemeClr val="lt1"/>
+          </a:lnRef>
+          <a:fillRef idx="1">
+            <a:schemeClr val="accent1"/>
+          </a:fillRef>
+          <a:effectRef idx="1">
+            <a:schemeClr val="accent1"/>
+          </a:effectRef>
+          <a:fontRef idx="minor">
+            <a:schemeClr val="lt1"/>
+          </a:fontRef>
+        </p:style>
+        <p:txBody>
+          <a:bodyPr rtlCol="0" anchor="ctr"/>
+          <a:lstStyle/>
+          <a:p>
+            <a:pPr algn="ctr"/>
+            <a:r>
+              <a:rPr lang="de-DE" sz="1600" dirty="0"/>
+              <a:t>Analyse</a:t>
+            </a:r>
+          </a:p>
+        </p:txBody>
+      </p:sp>
+      <p:sp>
+        <p:nvSpPr>
+          <p:cNvPr id="8" name="Rechteck 7">
+            <a:extLst>
+              <a:ext uri="{FF2B5EF4-FFF2-40B4-BE49-F238E27FC236}">
+                <a16:creationId xmlns:a16="http://schemas.microsoft.com/office/drawing/2014/main" id="{2C14A688-BB41-468E-B74F-61180DA3EBC9}"/>
+              </a:ext>
+            </a:extLst>
+          </p:cNvPr>
+          <p:cNvSpPr/>
+          <p:nvPr/>
+        </p:nvSpPr>
+        <p:spPr>
+          <a:xfrm>
+            <a:off x="3707904" y="6381328"/>
+            <a:ext cx="1728192" cy="315392"/>
+          </a:xfrm>
+          <a:prstGeom prst="rect">
+            <a:avLst/>
+          </a:prstGeom>
+        </p:spPr>
+        <p:style>
+          <a:lnRef idx="3">
+            <a:schemeClr val="lt1"/>
+          </a:lnRef>
+          <a:fillRef idx="1">
+            <a:schemeClr val="dk1"/>
+          </a:fillRef>
+          <a:effectRef idx="1">
+            <a:schemeClr val="dk1"/>
+          </a:effectRef>
+          <a:fontRef idx="minor">
+            <a:schemeClr val="lt1"/>
+          </a:fontRef>
+        </p:style>
+        <p:txBody>
+          <a:bodyPr rtlCol="0" anchor="ctr"/>
+          <a:lstStyle/>
+          <a:p>
+            <a:pPr algn="ctr"/>
+            <a:r>
+              <a:rPr lang="de-DE" sz="1600" dirty="0"/>
+              <a:t>Planung</a:t>
+            </a:r>
+          </a:p>
+        </p:txBody>
+      </p:sp>
+      <p:sp>
+        <p:nvSpPr>
+          <p:cNvPr id="9" name="Rechteck 8">
+            <a:extLst>
+              <a:ext uri="{FF2B5EF4-FFF2-40B4-BE49-F238E27FC236}">
+                <a16:creationId xmlns:a16="http://schemas.microsoft.com/office/drawing/2014/main" id="{C697DA87-24E4-468E-8E05-3CA46A9FB734}"/>
+              </a:ext>
+            </a:extLst>
+          </p:cNvPr>
+          <p:cNvSpPr/>
+          <p:nvPr/>
+        </p:nvSpPr>
+        <p:spPr>
+          <a:xfrm>
+            <a:off x="5508104" y="6381328"/>
+            <a:ext cx="1728192" cy="315392"/>
+          </a:xfrm>
+          <a:prstGeom prst="rect">
+            <a:avLst/>
+          </a:prstGeom>
+        </p:spPr>
+        <p:style>
+          <a:lnRef idx="3">
+            <a:schemeClr val="lt1"/>
+          </a:lnRef>
+          <a:fillRef idx="1">
+            <a:schemeClr val="dk1"/>
+          </a:fillRef>
+          <a:effectRef idx="1">
+            <a:schemeClr val="dk1"/>
+          </a:effectRef>
+          <a:fontRef idx="minor">
+            <a:schemeClr val="lt1"/>
+          </a:fontRef>
+        </p:style>
+        <p:txBody>
+          <a:bodyPr rtlCol="0" anchor="ctr"/>
+          <a:lstStyle/>
+          <a:p>
+            <a:pPr algn="ctr"/>
+            <a:r>
+              <a:rPr lang="de-DE" sz="1600" dirty="0"/>
+              <a:t>Implementierung</a:t>
+            </a:r>
+          </a:p>
+        </p:txBody>
+      </p:sp>
+      <p:sp>
+        <p:nvSpPr>
+          <p:cNvPr id="10" name="Rechteck 9">
+            <a:extLst>
+              <a:ext uri="{FF2B5EF4-FFF2-40B4-BE49-F238E27FC236}">
+                <a16:creationId xmlns:a16="http://schemas.microsoft.com/office/drawing/2014/main" id="{84159EA1-B77A-4A14-9ECC-1D0AE113E8CD}"/>
+              </a:ext>
+            </a:extLst>
+          </p:cNvPr>
+          <p:cNvSpPr/>
+          <p:nvPr/>
+        </p:nvSpPr>
+        <p:spPr>
+          <a:xfrm>
+            <a:off x="7308304" y="6381328"/>
+            <a:ext cx="1728192" cy="315392"/>
+          </a:xfrm>
+          <a:prstGeom prst="rect">
+            <a:avLst/>
+          </a:prstGeom>
+        </p:spPr>
+        <p:style>
+          <a:lnRef idx="3">
+            <a:schemeClr val="lt1"/>
+          </a:lnRef>
+          <a:fillRef idx="1">
+            <a:schemeClr val="dk1"/>
+          </a:fillRef>
+          <a:effectRef idx="1">
+            <a:schemeClr val="dk1"/>
+          </a:effectRef>
+          <a:fontRef idx="minor">
+            <a:schemeClr val="lt1"/>
+          </a:fontRef>
+        </p:style>
+        <p:txBody>
+          <a:bodyPr rtlCol="0" anchor="ctr"/>
+          <a:lstStyle/>
+          <a:p>
+            <a:pPr algn="ctr"/>
+            <a:r>
+              <a:rPr lang="de-DE" sz="1600" dirty="0"/>
+              <a:t>Fazit</a:t>
+            </a:r>
+          </a:p>
+        </p:txBody>
+      </p:sp>
+      <p:sp>
+        <p:nvSpPr>
+          <p:cNvPr id="4" name="Inhaltsplatzhalter 3">
+            <a:extLst>
+              <a:ext uri="{FF2B5EF4-FFF2-40B4-BE49-F238E27FC236}">
+                <a16:creationId xmlns:a16="http://schemas.microsoft.com/office/drawing/2014/main" id="{6D2D8D9D-BA1D-4E4D-80AF-2AE8C4BE4AE3}"/>
+              </a:ext>
+            </a:extLst>
+          </p:cNvPr>
+          <p:cNvSpPr>
+            <a:spLocks noGrp="1"/>
+          </p:cNvSpPr>
+          <p:nvPr>
+            <p:ph idx="1"/>
+          </p:nvPr>
+        </p:nvSpPr>
+        <p:spPr>
+          <a:xfrm>
+            <a:off x="503238" y="1673923"/>
+            <a:ext cx="8245226" cy="3987800"/>
+          </a:xfrm>
+        </p:spPr>
+        <p:txBody>
+          <a:bodyPr/>
+          <a:lstStyle/>
+          <a:p>
+            <a:r>
+              <a:rPr lang="de-DE" sz="2400" dirty="0"/>
+              <a:t>Abstoßen von Familienmitgliedern und Freunden</a:t>
+            </a:r>
+          </a:p>
+          <a:p>
+            <a:r>
+              <a:rPr lang="de-DE" sz="2400" dirty="0"/>
+              <a:t>Angst =&gt; gesellschaftliches Chaos</a:t>
+            </a:r>
+          </a:p>
+          <a:p>
+            <a:r>
+              <a:rPr lang="de-DE" sz="2400" dirty="0"/>
+              <a:t>Ermordung, Verfolgung und Vertreibung von Juden</a:t>
+            </a:r>
+          </a:p>
+          <a:p>
+            <a:r>
+              <a:rPr lang="de-DE" sz="2400" dirty="0"/>
+              <a:t>Entstehen von riesigen Massengräbern</a:t>
+            </a:r>
+          </a:p>
+        </p:txBody>
+      </p:sp>
+    </p:spTree>
+    <p:extLst>
+      <p:ext uri="{BB962C8B-B14F-4D97-AF65-F5344CB8AC3E}">
+        <p14:creationId xmlns:p14="http://schemas.microsoft.com/office/powerpoint/2010/main" val="3149708904"/>
       </p:ext>
     </p:extLst>
   </p:cSld>

--- a/Präsentation.pptx
+++ b/Präsentation.pptx
@@ -18740,12 +18740,8 @@
           </a:p>
           <a:p>
             <a:r>
-              <a:rPr lang="de-DE" dirty="0"/>
-              <a:t>Denise </a:t>
-            </a:r>
-            <a:r>
-              <a:rPr lang="de-DE" dirty="0" err="1"/>
-              <a:t>Langhals</a:t>
+              <a:rPr lang="de-DE"/>
+              <a:t>Denise Langhof</a:t>
             </a:r>
             <a:endParaRPr lang="de-DE" dirty="0"/>
           </a:p>

--- a/Präsentation.pptx
+++ b/Präsentation.pptx
@@ -6250,7 +6250,54 @@
           <a:bodyPr/>
           <a:lstStyle/>
           <a:p>
-            <a:endParaRPr lang="de-DE" dirty="0"/>
+            <a:r>
+              <a:rPr lang="de-DE" dirty="0" err="1"/>
+              <a:t>Flagellantenbewegung</a:t>
+            </a:r>
+            <a:r>
+              <a:rPr lang="de-DE" dirty="0"/>
+              <a:t>:</a:t>
+            </a:r>
+          </a:p>
+          <a:p>
+            <a:pPr marL="171450" indent="-171450">
+              <a:buFontTx/>
+              <a:buChar char="-"/>
+            </a:pPr>
+            <a:r>
+              <a:rPr lang="de-DE" dirty="0"/>
+              <a:t>Bußprozession</a:t>
+            </a:r>
+          </a:p>
+          <a:p>
+            <a:pPr marL="171450" indent="-171450">
+              <a:buFontTx/>
+              <a:buChar char="-"/>
+            </a:pPr>
+            <a:r>
+              <a:rPr lang="de-DE" dirty="0"/>
+              <a:t>Schlugen sich mit Peitschen den Rücken blutig</a:t>
+            </a:r>
+          </a:p>
+          <a:p>
+            <a:pPr marL="171450" indent="-171450">
+              <a:buFontTx/>
+              <a:buChar char="-"/>
+            </a:pPr>
+            <a:r>
+              <a:rPr lang="de-DE" dirty="0"/>
+              <a:t>Kontraproduktiv, da schnellere Verbreitung</a:t>
+            </a:r>
+          </a:p>
+          <a:p>
+            <a:pPr marL="171450" indent="-171450">
+              <a:buFontTx/>
+              <a:buChar char="-"/>
+            </a:pPr>
+            <a:r>
+              <a:rPr lang="de-DE" dirty="0"/>
+              <a:t>Später von Kirche verboten</a:t>
+            </a:r>
           </a:p>
         </p:txBody>
       </p:sp>
@@ -7274,7 +7321,35 @@
           <a:bodyPr/>
           <a:lstStyle/>
           <a:p>
+            <a:pPr marL="171450" indent="-171450">
+              <a:buFontTx/>
+              <a:buChar char="-"/>
+            </a:pPr>
+            <a:r>
+              <a:rPr lang="de-DE" dirty="0" err="1"/>
+              <a:t>Justianische</a:t>
+            </a:r>
+            <a:r>
+              <a:rPr lang="de-DE" dirty="0"/>
+              <a:t> Pandemie =&gt; Pandemie zu Zeit des oströmischen Kaisers Justinian</a:t>
+            </a:r>
+          </a:p>
+          <a:p>
+            <a:pPr marL="0" indent="0">
+              <a:buFontTx/>
+              <a:buNone/>
+            </a:pPr>
             <a:endParaRPr lang="de-DE" dirty="0"/>
+          </a:p>
+          <a:p>
+            <a:pPr marL="171450" indent="-171450">
+              <a:buFontTx/>
+              <a:buChar char="-"/>
+            </a:pPr>
+            <a:r>
+              <a:rPr lang="de-DE" dirty="0"/>
+              <a:t>Viele weitere Einzelfälle auf der ganzen Welt, vermehrt in Entwicklungsländern</a:t>
+            </a:r>
           </a:p>
         </p:txBody>
       </p:sp>
@@ -7359,6 +7434,115 @@
           <a:bodyPr/>
           <a:lstStyle/>
           <a:p>
+            <a:r>
+              <a:rPr lang="de-DE" b="1" dirty="0"/>
+              <a:t>Schwarzer Tod: </a:t>
+            </a:r>
+          </a:p>
+          <a:p>
+            <a:r>
+              <a:rPr lang="de-DE" b="0" dirty="0"/>
+              <a:t>-durch das Auftreten von großflächigen Haut- und Organblutungen</a:t>
+            </a:r>
+          </a:p>
+          <a:p>
+            <a:r>
+              <a:rPr lang="de-DE" b="1" dirty="0"/>
+              <a:t>Beulenpest:</a:t>
+            </a:r>
+          </a:p>
+          <a:p>
+            <a:r>
+              <a:rPr lang="de-DE" dirty="0"/>
+              <a:t>-entstehen von schwarzen Flecken bis dunkel-eitrigen Beulen an Hals, Achselhöhlen und Leisten ( Infektion Lymphknoten) </a:t>
+            </a:r>
+          </a:p>
+          <a:p>
+            <a:r>
+              <a:rPr lang="de-DE" dirty="0"/>
+              <a:t>-häufigste Form</a:t>
+            </a:r>
+          </a:p>
+          <a:p>
+            <a:r>
+              <a:rPr lang="de-DE" dirty="0"/>
+              <a:t>-Inkubationszeit 7 Tage</a:t>
+            </a:r>
+            <a:endParaRPr lang="de-DE" b="1" dirty="0"/>
+          </a:p>
+          <a:p>
+            <a:r>
+              <a:rPr lang="de-DE" b="1" dirty="0"/>
+              <a:t>Lungenpest:</a:t>
+            </a:r>
+          </a:p>
+          <a:p>
+            <a:r>
+              <a:rPr lang="de-DE" dirty="0"/>
+              <a:t>-Tröpfcheninfektion mit Luftübertragung</a:t>
+            </a:r>
+          </a:p>
+          <a:p>
+            <a:r>
+              <a:rPr lang="de-DE" dirty="0"/>
+              <a:t>-Inkubationszeit 1 – 3 Tage und Sterblichkeit 95 % =&gt;SELTEN</a:t>
+            </a:r>
+          </a:p>
+          <a:p>
+            <a:r>
+              <a:rPr lang="de-DE" dirty="0"/>
+              <a:t>-sekundäre Lungenpest: Erreger über </a:t>
+            </a:r>
+            <a:r>
+              <a:rPr lang="de-DE" dirty="0" err="1"/>
+              <a:t>Pestepsis</a:t>
+            </a:r>
+            <a:r>
+              <a:rPr lang="de-DE" dirty="0"/>
+              <a:t> in Lunge</a:t>
+            </a:r>
+          </a:p>
+          <a:p>
+            <a:r>
+              <a:rPr lang="de-DE" b="1" dirty="0" err="1"/>
+              <a:t>Pestepsis</a:t>
+            </a:r>
+            <a:r>
+              <a:rPr lang="de-DE" b="1" dirty="0"/>
+              <a:t>:</a:t>
+            </a:r>
+          </a:p>
+          <a:p>
+            <a:r>
+              <a:rPr lang="de-DE" dirty="0"/>
+              <a:t>-geraten von Bakterien in Blutbahn =&gt; hohe Bakterienkonzentration =&gt; Sepsis, durch freigesetztes Sekret der Bakterien</a:t>
+            </a:r>
+          </a:p>
+          <a:p>
+            <a:r>
+              <a:rPr lang="de-DE" dirty="0"/>
+              <a:t>-Kontakt Bakterien mit offener Wunde oder Platzen einer Beule nach innen</a:t>
+            </a:r>
+          </a:p>
+          <a:p>
+            <a:endParaRPr lang="de-DE" dirty="0"/>
+          </a:p>
+          <a:p>
+            <a:r>
+              <a:rPr lang="de-DE" b="1" dirty="0"/>
+              <a:t>Begleiterscheinungen: </a:t>
+            </a:r>
+          </a:p>
+          <a:p>
+            <a:r>
+              <a:rPr lang="de-DE" dirty="0"/>
+              <a:t>Fieber, Kopfschmerzen, Benommenheit, Übelkeit </a:t>
+            </a:r>
+          </a:p>
+          <a:p>
+            <a:endParaRPr lang="de-DE" dirty="0"/>
+          </a:p>
+          <a:p>
             <a:endParaRPr lang="de-DE" dirty="0"/>
           </a:p>
         </p:txBody>
@@ -7614,7 +7798,10 @@
           <a:bodyPr/>
           <a:lstStyle/>
           <a:p>
-            <a:endParaRPr lang="de-DE" dirty="0"/>
+            <a:r>
+              <a:rPr lang="de-DE" dirty="0"/>
+              <a:t>Schnabelmaske, welche im 17. bis 19. Jahrhundert Verwendung fand.</a:t>
+            </a:r>
           </a:p>
         </p:txBody>
       </p:sp>
@@ -7699,6 +7886,18 @@
           <a:bodyPr/>
           <a:lstStyle/>
           <a:p>
+            <a:r>
+              <a:rPr lang="de-DE" dirty="0"/>
+              <a:t>-40 Tage Quarantäne</a:t>
+            </a:r>
+          </a:p>
+          <a:p>
+            <a:r>
+              <a:rPr lang="de-DE" dirty="0"/>
+              <a:t>-Mailand: Zumauern von Hauswänden =&gt; Schutz der Dorfbewohner</a:t>
+            </a:r>
+          </a:p>
+          <a:p>
             <a:endParaRPr lang="de-DE" dirty="0"/>
           </a:p>
         </p:txBody>
@@ -7784,7 +7983,22 @@
           <a:bodyPr/>
           <a:lstStyle/>
           <a:p>
-            <a:endParaRPr lang="de-DE" dirty="0"/>
+            <a:r>
+              <a:rPr lang="de-DE" dirty="0"/>
+              <a:t>-Kinder wurden verstoßen</a:t>
+            </a:r>
+          </a:p>
+          <a:p>
+            <a:r>
+              <a:rPr lang="de-DE" dirty="0"/>
+              <a:t>-Juden sollen die Brunnen vergiftet haben</a:t>
+            </a:r>
+          </a:p>
+          <a:p>
+            <a:r>
+              <a:rPr lang="de-DE" dirty="0"/>
+              <a:t>-Friedhöfe waren überfüllt</a:t>
+            </a:r>
           </a:p>
         </p:txBody>
       </p:sp>
@@ -18740,10 +18954,9 @@
           </a:p>
           <a:p>
             <a:r>
-              <a:rPr lang="de-DE"/>
+              <a:rPr lang="de-DE" dirty="0"/>
               <a:t>Denise Langhof</a:t>
             </a:r>
-            <a:endParaRPr lang="de-DE" dirty="0"/>
           </a:p>
         </p:txBody>
       </p:sp>
@@ -26984,13 +27197,7 @@
           <a:p>
             <a:r>
               <a:rPr lang="de-DE" sz="2400" dirty="0"/>
-              <a:t>wird übertragen über Zwischenwirt: Rattenflöhe</a:t>
-            </a:r>
-          </a:p>
-          <a:p>
-            <a:r>
-              <a:rPr lang="de-DE" sz="2400" dirty="0"/>
-              <a:t>hohe Bakterienkonzentration =&gt; Sepsis</a:t>
+              <a:t>Übertragen über Biss eines infizierten Flohs, welcher über Ratten zu Menschen gelangt</a:t>
             </a:r>
           </a:p>
           <a:p>
@@ -27930,6 +28137,13 @@
             <a:pPr lvl="1"/>
             <a:r>
               <a:rPr lang="de-DE" sz="2400" dirty="0"/>
+              <a:t>Vergabe von Medikamenten und Kräutern</a:t>
+            </a:r>
+          </a:p>
+          <a:p>
+            <a:pPr lvl="1"/>
+            <a:r>
+              <a:rPr lang="de-DE" sz="2400" dirty="0"/>
               <a:t>Aderlassen </a:t>
             </a:r>
           </a:p>
@@ -28652,6 +28866,12 @@
               <a:rPr lang="de-DE" sz="2400" dirty="0"/>
               <a:t>Verbreitung durch schlechte Winde</a:t>
             </a:r>
+          </a:p>
+          <a:p>
+            <a:pPr marL="361950" lvl="1" indent="0">
+              <a:buNone/>
+            </a:pPr>
+            <a:endParaRPr lang="de-DE" sz="2400" dirty="0"/>
           </a:p>
         </p:txBody>
       </p:sp>

--- a/Präsentation.pptx
+++ b/Präsentation.pptx
@@ -6722,7 +6722,14 @@
           <a:bodyPr/>
           <a:lstStyle/>
           <a:p>
-            <a:endParaRPr lang="de-DE" dirty="0"/>
+            <a:pPr marL="171450" indent="-171450">
+              <a:buFontTx/>
+              <a:buChar char="-"/>
+            </a:pPr>
+            <a:r>
+              <a:rPr lang="de-DE" dirty="0"/>
+              <a:t>AGILE =&gt; regelmäßige Absprachen</a:t>
+            </a:r>
           </a:p>
         </p:txBody>
       </p:sp>
@@ -7258,6 +7265,91 @@
             <a:fld id="{45AA7A2F-9B2B-40B9-9D74-2EB02CF5C8E1}" type="slidenum">
               <a:rPr lang="de-DE" altLang="de-DE" smtClean="0"/>
               <a:pPr/>
+              <a:t>20</a:t>
+            </a:fld>
+            <a:endParaRPr lang="de-DE" altLang="de-DE"/>
+          </a:p>
+        </p:txBody>
+      </p:sp>
+    </p:spTree>
+    <p:extLst>
+      <p:ext uri="{BB962C8B-B14F-4D97-AF65-F5344CB8AC3E}">
+        <p14:creationId xmlns:p14="http://schemas.microsoft.com/office/powerpoint/2010/main" val="3856119948"/>
+      </p:ext>
+    </p:extLst>
+  </p:cSld>
+  <p:clrMapOvr>
+    <a:masterClrMapping/>
+  </p:clrMapOvr>
+</p:notes>
+</file>
+
+<file path=ppt/notesSlides/notesSlide21.xml><?xml version="1.0" encoding="utf-8"?>
+<p:notes xmlns:a="http://schemas.openxmlformats.org/drawingml/2006/main" xmlns:r="http://schemas.openxmlformats.org/officeDocument/2006/relationships" xmlns:p="http://schemas.openxmlformats.org/presentationml/2006/main">
+  <p:cSld>
+    <p:spTree>
+      <p:nvGrpSpPr>
+        <p:cNvPr id="1" name=""/>
+        <p:cNvGrpSpPr/>
+        <p:nvPr/>
+      </p:nvGrpSpPr>
+      <p:grpSpPr>
+        <a:xfrm>
+          <a:off x="0" y="0"/>
+          <a:ext cx="0" cy="0"/>
+          <a:chOff x="0" y="0"/>
+          <a:chExt cx="0" cy="0"/>
+        </a:xfrm>
+      </p:grpSpPr>
+      <p:sp>
+        <p:nvSpPr>
+          <p:cNvPr id="2" name="Folienbildplatzhalter 1"/>
+          <p:cNvSpPr>
+            <a:spLocks noGrp="1" noRot="1" noChangeAspect="1"/>
+          </p:cNvSpPr>
+          <p:nvPr>
+            <p:ph type="sldImg"/>
+          </p:nvPr>
+        </p:nvSpPr>
+        <p:spPr/>
+      </p:sp>
+      <p:sp>
+        <p:nvSpPr>
+          <p:cNvPr id="3" name="Notizenplatzhalter 2"/>
+          <p:cNvSpPr>
+            <a:spLocks noGrp="1"/>
+          </p:cNvSpPr>
+          <p:nvPr>
+            <p:ph type="body" idx="1"/>
+          </p:nvPr>
+        </p:nvSpPr>
+        <p:spPr/>
+        <p:txBody>
+          <a:bodyPr/>
+          <a:lstStyle/>
+          <a:p>
+            <a:endParaRPr lang="de-DE" dirty="0"/>
+          </a:p>
+        </p:txBody>
+      </p:sp>
+      <p:sp>
+        <p:nvSpPr>
+          <p:cNvPr id="4" name="Foliennummernplatzhalter 3"/>
+          <p:cNvSpPr>
+            <a:spLocks noGrp="1"/>
+          </p:cNvSpPr>
+          <p:nvPr>
+            <p:ph type="sldNum" sz="quarter" idx="5"/>
+          </p:nvPr>
+        </p:nvSpPr>
+        <p:spPr/>
+        <p:txBody>
+          <a:bodyPr/>
+          <a:lstStyle/>
+          <a:p>
+            <a:fld id="{45AA7A2F-9B2B-40B9-9D74-2EB02CF5C8E1}" type="slidenum">
+              <a:rPr lang="de-DE" altLang="de-DE" smtClean="0"/>
+              <a:pPr/>
               <a:t>21</a:t>
             </a:fld>
             <a:endParaRPr lang="de-DE" altLang="de-DE"/>
@@ -7335,6 +7427,16 @@
             </a:r>
           </a:p>
           <a:p>
+            <a:pPr marL="171450" indent="-171450">
+              <a:buFontTx/>
+              <a:buChar char="-"/>
+            </a:pPr>
+            <a:r>
+              <a:rPr lang="de-DE" dirty="0"/>
+              <a:t>19. Jahrhundert =&gt; Bakterien werden bis nach Amerika getragen</a:t>
+            </a:r>
+          </a:p>
+          <a:p>
             <a:pPr marL="0" indent="0">
               <a:buFontTx/>
               <a:buNone/>
@@ -7454,7 +7556,7 @@
           <a:p>
             <a:r>
               <a:rPr lang="de-DE" dirty="0"/>
-              <a:t>-entstehen von schwarzen Flecken bis dunkel-eitrigen Beulen an Hals, Achselhöhlen und Leisten ( Infektion Lymphknoten) </a:t>
+              <a:t>-entstehen schwarzen Flecken bis dunkel-eitrigen Beulen an Hals, Achselhöhlen und Leisten ( Infektion Lymphknoten) </a:t>
             </a:r>
           </a:p>
           <a:p>
@@ -7536,7 +7638,7 @@
           <a:p>
             <a:r>
               <a:rPr lang="de-DE" dirty="0"/>
-              <a:t>Fieber, Kopfschmerzen, Benommenheit, Übelkeit </a:t>
+              <a:t>Fieber, Kopfschmerzen, Benommenheit, Übelkeit, bei der Lungenpest Bluthusten</a:t>
             </a:r>
           </a:p>
           <a:p>
@@ -7628,7 +7730,10 @@
           <a:bodyPr/>
           <a:lstStyle/>
           <a:p>
-            <a:endParaRPr lang="de-DE" dirty="0"/>
+            <a:r>
+              <a:rPr lang="de-DE" dirty="0"/>
+              <a:t>Beule in der Achselhöhle</a:t>
+            </a:r>
           </a:p>
         </p:txBody>
       </p:sp>
@@ -7713,7 +7818,10 @@
           <a:bodyPr/>
           <a:lstStyle/>
           <a:p>
-            <a:endParaRPr lang="de-DE" dirty="0"/>
+            <a:r>
+              <a:rPr lang="de-DE" dirty="0"/>
+              <a:t>Behandlungserfolg mit Antibiotika bei frühem Therapiebeginn</a:t>
+            </a:r>
           </a:p>
         </p:txBody>
       </p:sp>
@@ -7800,7 +7908,7 @@
           <a:p>
             <a:r>
               <a:rPr lang="de-DE" dirty="0"/>
-              <a:t>Schnabelmaske, welche im 17. bis 19. Jahrhundert Verwendung fand.</a:t>
+              <a:t>Bekannte Schnabelmaske, welche erst im 17. bis 19. Jahrhundert Verwendung fand.</a:t>
             </a:r>
           </a:p>
         </p:txBody>
@@ -19940,10 +20048,10 @@
       </p:sp>
       <p:pic>
         <p:nvPicPr>
-          <p:cNvPr id="11" name="Grafik 10">
+          <p:cNvPr id="12" name="Grafik 11">
             <a:extLst>
               <a:ext uri="{FF2B5EF4-FFF2-40B4-BE49-F238E27FC236}">
-                <a16:creationId xmlns:a16="http://schemas.microsoft.com/office/drawing/2014/main" id="{52FDF6D4-33D8-41C4-ABB1-1C68A71438E0}"/>
+                <a16:creationId xmlns:a16="http://schemas.microsoft.com/office/drawing/2014/main" id="{5F3A202E-6268-4C4D-8064-0C7A83F1F9DF}"/>
               </a:ext>
             </a:extLst>
           </p:cNvPr>
@@ -19960,8 +20068,8 @@
         </p:blipFill>
         <p:spPr>
           <a:xfrm>
-            <a:off x="375054" y="1916832"/>
-            <a:ext cx="8445418" cy="3528392"/>
+            <a:off x="313878" y="1772816"/>
+            <a:ext cx="8722618" cy="3660549"/>
           </a:xfrm>
           <a:prstGeom prst="rect">
             <a:avLst/>
@@ -24483,10 +24591,9 @@
           <a:lstStyle/>
           <a:p>
             <a:r>
-              <a:rPr lang="de-DE" sz="3200" dirty="0" err="1"/>
-              <a:t>Enwicklungswerkzeuge</a:t>
-            </a:r>
-            <a:endParaRPr lang="de-DE" sz="3200" dirty="0"/>
+              <a:rPr lang="de-DE" sz="3200" dirty="0"/>
+              <a:t>Entwicklungswerkzeuge</a:t>
+            </a:r>
           </a:p>
         </p:txBody>
       </p:sp>
@@ -25342,7 +25449,13 @@
           <a:p>
             <a:r>
               <a:rPr lang="de-DE" sz="2400" dirty="0"/>
-              <a:t>Start-, Pause-, Stopp-Button</a:t>
+              <a:t>Start-, Pause-, Weiter-, Zurück-, Stopp-Button</a:t>
+            </a:r>
+          </a:p>
+          <a:p>
+            <a:r>
+              <a:rPr lang="de-DE" sz="2400" dirty="0"/>
+              <a:t>Slider für Geschwindigkeit</a:t>
             </a:r>
           </a:p>
           <a:p>
@@ -25354,7 +25467,7 @@
           <a:p>
             <a:r>
               <a:rPr lang="de-DE" sz="2400" dirty="0"/>
-              <a:t>Mouseover über einzelne Gebiete</a:t>
+              <a:t>Anzeige der Zeit sowie betroffene Gebiete</a:t>
             </a:r>
           </a:p>
         </p:txBody>
@@ -25991,32 +26104,221 @@
           </a:p>
         </p:txBody>
       </p:sp>
-      <p:sp>
-        <p:nvSpPr>
-          <p:cNvPr id="4" name="Inhaltsplatzhalter 3">
+      <p:pic>
+        <p:nvPicPr>
+          <p:cNvPr id="12" name="Grafik 11">
             <a:extLst>
               <a:ext uri="{FF2B5EF4-FFF2-40B4-BE49-F238E27FC236}">
-                <a16:creationId xmlns:a16="http://schemas.microsoft.com/office/drawing/2014/main" id="{BDE017BE-9034-4D34-AAEE-10465F3781A2}"/>
+                <a16:creationId xmlns:a16="http://schemas.microsoft.com/office/drawing/2014/main" id="{2F25D20B-CF8C-4774-8134-CA7622AB9D96}"/>
               </a:ext>
             </a:extLst>
           </p:cNvPr>
-          <p:cNvSpPr>
-            <a:spLocks noGrp="1"/>
-          </p:cNvSpPr>
-          <p:nvPr>
-            <p:ph idx="1"/>
-          </p:nvPr>
-        </p:nvSpPr>
+          <p:cNvPicPr>
+            <a:picLocks noChangeAspect="1"/>
+          </p:cNvPicPr>
+          <p:nvPr/>
+        </p:nvPicPr>
+        <p:blipFill>
+          <a:blip r:embed="rId3" cstate="print">
+            <a:extLst>
+              <a:ext uri="{28A0092B-C50C-407E-A947-70E740481C1C}">
+                <a14:useLocalDpi xmlns:a14="http://schemas.microsoft.com/office/drawing/2010/main" val="0"/>
+              </a:ext>
+            </a:extLst>
+          </a:blip>
+          <a:stretch>
+            <a:fillRect/>
+          </a:stretch>
+        </p:blipFill>
         <p:spPr>
           <a:xfrm>
-            <a:off x="503238" y="1772816"/>
-            <a:ext cx="7381875" cy="3987800"/>
+            <a:off x="860927" y="3284984"/>
+            <a:ext cx="744414" cy="744414"/>
           </a:xfrm>
+          <a:prstGeom prst="rect">
+            <a:avLst/>
+          </a:prstGeom>
         </p:spPr>
-        <p:txBody>
-          <a:bodyPr/>
+      </p:pic>
+      <p:pic>
+        <p:nvPicPr>
+          <p:cNvPr id="13" name="Grafik 12">
+            <a:extLst>
+              <a:ext uri="{FF2B5EF4-FFF2-40B4-BE49-F238E27FC236}">
+                <a16:creationId xmlns:a16="http://schemas.microsoft.com/office/drawing/2014/main" id="{92733855-3429-4CFB-BF7A-EBBBE4346E47}"/>
+              </a:ext>
+            </a:extLst>
+          </p:cNvPr>
+          <p:cNvPicPr>
+            <a:picLocks noChangeAspect="1"/>
+          </p:cNvPicPr>
+          <p:nvPr/>
+        </p:nvPicPr>
+        <p:blipFill>
+          <a:blip r:embed="rId3" cstate="print">
+            <a:extLst>
+              <a:ext uri="{28A0092B-C50C-407E-A947-70E740481C1C}">
+                <a14:useLocalDpi xmlns:a14="http://schemas.microsoft.com/office/drawing/2010/main" val="0"/>
+              </a:ext>
+            </a:extLst>
+          </a:blip>
+          <a:stretch>
+            <a:fillRect/>
+          </a:stretch>
+        </p:blipFill>
+        <p:spPr>
+          <a:xfrm>
+            <a:off x="860927" y="1948886"/>
+            <a:ext cx="744414" cy="744414"/>
+          </a:xfrm>
+          <a:prstGeom prst="rect">
+            <a:avLst/>
+          </a:prstGeom>
+        </p:spPr>
+      </p:pic>
+      <p:sp>
+        <p:nvSpPr>
+          <p:cNvPr id="14" name="Textfeld 13">
+            <a:extLst>
+              <a:ext uri="{FF2B5EF4-FFF2-40B4-BE49-F238E27FC236}">
+                <a16:creationId xmlns:a16="http://schemas.microsoft.com/office/drawing/2014/main" id="{DA65AA5F-D22C-48B6-8219-D9D3985E4271}"/>
+              </a:ext>
+            </a:extLst>
+          </p:cNvPr>
+          <p:cNvSpPr txBox="1"/>
+          <p:nvPr/>
+        </p:nvSpPr>
+        <p:spPr>
+          <a:xfrm>
+            <a:off x="2029829" y="2103239"/>
+            <a:ext cx="2758195" cy="461665"/>
+          </a:xfrm>
+          <a:prstGeom prst="rect">
+            <a:avLst/>
+          </a:prstGeom>
+          <a:noFill/>
+        </p:spPr>
+        <p:txBody>
+          <a:bodyPr wrap="square" rtlCol="0">
+            <a:spAutoFit/>
+          </a:bodyPr>
           <a:lstStyle/>
           <a:p>
+            <a:r>
+              <a:rPr lang="de-DE" sz="2400" dirty="0"/>
+              <a:t>Projektziel erreicht</a:t>
+            </a:r>
+            <a:endParaRPr lang="de-DE" dirty="0"/>
+          </a:p>
+        </p:txBody>
+      </p:sp>
+      <p:sp>
+        <p:nvSpPr>
+          <p:cNvPr id="15" name="Textfeld 14">
+            <a:extLst>
+              <a:ext uri="{FF2B5EF4-FFF2-40B4-BE49-F238E27FC236}">
+                <a16:creationId xmlns:a16="http://schemas.microsoft.com/office/drawing/2014/main" id="{8B7A9579-3BD8-4F85-97D0-486A54985D25}"/>
+              </a:ext>
+            </a:extLst>
+          </p:cNvPr>
+          <p:cNvSpPr txBox="1"/>
+          <p:nvPr/>
+        </p:nvSpPr>
+        <p:spPr>
+          <a:xfrm>
+            <a:off x="2029829" y="3426358"/>
+            <a:ext cx="3406267" cy="461665"/>
+          </a:xfrm>
+          <a:prstGeom prst="rect">
+            <a:avLst/>
+          </a:prstGeom>
+          <a:noFill/>
+        </p:spPr>
+        <p:txBody>
+          <a:bodyPr wrap="square" rtlCol="0">
+            <a:spAutoFit/>
+          </a:bodyPr>
+          <a:lstStyle/>
+          <a:p>
+            <a:r>
+              <a:rPr lang="de-DE" sz="2400" dirty="0"/>
+              <a:t>Erfahrung gesammelt</a:t>
+            </a:r>
+            <a:endParaRPr lang="de-DE" dirty="0"/>
+          </a:p>
+        </p:txBody>
+      </p:sp>
+      <p:pic>
+        <p:nvPicPr>
+          <p:cNvPr id="17" name="Grafik 16">
+            <a:extLst>
+              <a:ext uri="{FF2B5EF4-FFF2-40B4-BE49-F238E27FC236}">
+                <a16:creationId xmlns:a16="http://schemas.microsoft.com/office/drawing/2014/main" id="{B7A59E31-5593-4435-B0A9-85FF5EE8C88C}"/>
+              </a:ext>
+            </a:extLst>
+          </p:cNvPr>
+          <p:cNvPicPr>
+            <a:picLocks noChangeAspect="1"/>
+          </p:cNvPicPr>
+          <p:nvPr/>
+        </p:nvPicPr>
+        <p:blipFill>
+          <a:blip r:embed="rId4" cstate="print">
+            <a:extLst>
+              <a:ext uri="{28A0092B-C50C-407E-A947-70E740481C1C}">
+                <a14:useLocalDpi xmlns:a14="http://schemas.microsoft.com/office/drawing/2010/main" val="0"/>
+              </a:ext>
+              <a:ext uri="{96DAC541-7B7A-43D3-8B79-37D633B846F1}">
+                <asvg:svgBlip xmlns:asvg="http://schemas.microsoft.com/office/drawing/2016/SVG/main" r:embed="rId5"/>
+              </a:ext>
+            </a:extLst>
+          </a:blip>
+          <a:stretch>
+            <a:fillRect/>
+          </a:stretch>
+        </p:blipFill>
+        <p:spPr>
+          <a:xfrm>
+            <a:off x="854693" y="4653136"/>
+            <a:ext cx="744414" cy="744414"/>
+          </a:xfrm>
+          <a:prstGeom prst="rect">
+            <a:avLst/>
+          </a:prstGeom>
+        </p:spPr>
+      </p:pic>
+      <p:sp>
+        <p:nvSpPr>
+          <p:cNvPr id="18" name="Textfeld 17">
+            <a:extLst>
+              <a:ext uri="{FF2B5EF4-FFF2-40B4-BE49-F238E27FC236}">
+                <a16:creationId xmlns:a16="http://schemas.microsoft.com/office/drawing/2014/main" id="{001C6972-6759-4C2C-9D7B-5424297FF8C0}"/>
+              </a:ext>
+            </a:extLst>
+          </p:cNvPr>
+          <p:cNvSpPr txBox="1"/>
+          <p:nvPr/>
+        </p:nvSpPr>
+        <p:spPr>
+          <a:xfrm>
+            <a:off x="2029829" y="4725144"/>
+            <a:ext cx="5134459" cy="461665"/>
+          </a:xfrm>
+          <a:prstGeom prst="rect">
+            <a:avLst/>
+          </a:prstGeom>
+          <a:noFill/>
+        </p:spPr>
+        <p:txBody>
+          <a:bodyPr wrap="square" rtlCol="0">
+            <a:spAutoFit/>
+          </a:bodyPr>
+          <a:lstStyle/>
+          <a:p>
+            <a:r>
+              <a:rPr lang="de-DE" sz="2400" dirty="0"/>
+              <a:t>mangelhafte Dokumentation</a:t>
+            </a:r>
             <a:endParaRPr lang="de-DE" dirty="0"/>
           </a:p>
         </p:txBody>
@@ -26356,18 +26658,24 @@
           <a:p>
             <a:r>
               <a:rPr lang="de-DE" sz="2400" dirty="0"/>
-              <a:t>Zeitliche Darstellung seit Beginn der Dokumentation</a:t>
+              <a:t>Veranschaulichung verschiedener Krankheiten</a:t>
             </a:r>
           </a:p>
           <a:p>
             <a:r>
               <a:rPr lang="de-DE" sz="2400" dirty="0"/>
-              <a:t>Mehr Informationen bei Mouse-Over</a:t>
+              <a:t>zeitliche Darstellung seit Beginn</a:t>
             </a:r>
           </a:p>
           <a:p>
             <a:r>
               <a:rPr lang="de-DE" sz="2400" dirty="0"/>
+              <a:t>Politische/wirtschaftliche Auswirkungen der Pest</a:t>
+            </a:r>
+          </a:p>
+          <a:p>
+            <a:r>
+              <a:rPr lang="de-DE" sz="2400" b="1" dirty="0"/>
               <a:t>Designaspekte Landkarte</a:t>
             </a:r>
           </a:p>
@@ -26546,7 +26854,7 @@
         <p:spPr>
           <a:xfrm>
             <a:off x="503238" y="1700808"/>
-            <a:ext cx="7381875" cy="3987800"/>
+            <a:ext cx="7381875" cy="4824536"/>
           </a:xfrm>
         </p:spPr>
         <p:txBody>
@@ -26554,96 +26862,126 @@
           <a:lstStyle/>
           <a:p>
             <a:r>
-              <a:rPr lang="de-DE" dirty="0">
-                <a:hlinkClick r:id="rId2"/>
+              <a:rPr lang="de-DE" sz="1600" dirty="0">
+                <a:hlinkClick r:id="rId3"/>
               </a:rPr>
               <a:t>https://de.wikipedia.org/wiki/Pestdoktor#/media/File:Paul_F%C3%BCrst,_Der_Doctor_Schnabel_von_Rom_(coloured_version).png</a:t>
             </a:r>
-            <a:endParaRPr lang="de-DE" dirty="0"/>
-          </a:p>
-          <a:p>
-            <a:r>
-              <a:rPr lang="de-DE" dirty="0">
-                <a:hlinkClick r:id="rId3"/>
+            <a:endParaRPr lang="de-DE" sz="1600" dirty="0"/>
+          </a:p>
+          <a:p>
+            <a:r>
+              <a:rPr lang="de-DE" sz="1600" dirty="0">
+                <a:hlinkClick r:id="rId4"/>
               </a:rPr>
               <a:t>https://de.wikipedia.org/wiki/Pest#/media/File:Plague_bubo.jpg</a:t>
             </a:r>
-            <a:endParaRPr lang="de-DE" dirty="0"/>
-          </a:p>
-          <a:p>
-            <a:r>
-              <a:rPr lang="de-DE" dirty="0">
-                <a:hlinkClick r:id="rId4"/>
+            <a:endParaRPr lang="de-DE" sz="1600" dirty="0"/>
+          </a:p>
+          <a:p>
+            <a:r>
+              <a:rPr lang="de-DE" sz="1600" dirty="0">
+                <a:hlinkClick r:id="rId5"/>
               </a:rPr>
               <a:t>http://www.zeitreise-bb.de/leonb/leonb/pest.htm</a:t>
             </a:r>
-            <a:endParaRPr lang="de-DE" dirty="0"/>
-          </a:p>
-          <a:p>
-            <a:r>
-              <a:rPr lang="de-DE" dirty="0">
-                <a:hlinkClick r:id="rId5"/>
+            <a:endParaRPr lang="de-DE" sz="1600" dirty="0"/>
+          </a:p>
+          <a:p>
+            <a:r>
+              <a:rPr lang="de-DE" sz="1600" dirty="0">
+                <a:hlinkClick r:id="rId6"/>
               </a:rPr>
               <a:t>https://www.flaticon.com/free-icon/html_136528#term=html&amp;page=1&amp;position=11</a:t>
             </a:r>
-            <a:endParaRPr lang="de-DE" dirty="0"/>
-          </a:p>
-          <a:p>
-            <a:r>
-              <a:rPr lang="de-DE" dirty="0">
-                <a:hlinkClick r:id="rId6"/>
+            <a:endParaRPr lang="de-DE" sz="1600" dirty="0"/>
+          </a:p>
+          <a:p>
+            <a:r>
+              <a:rPr lang="de-DE" sz="1600" dirty="0">
+                <a:hlinkClick r:id="rId7"/>
               </a:rPr>
               <a:t>https://www.flaticon.com/free-icon/javascript_136530#term=javascript&amp;page=1&amp;position=1</a:t>
             </a:r>
-            <a:endParaRPr lang="de-DE" dirty="0"/>
-          </a:p>
-          <a:p>
-            <a:r>
-              <a:rPr lang="de-DE" dirty="0">
-                <a:hlinkClick r:id="rId7"/>
+            <a:endParaRPr lang="de-DE" sz="1600" dirty="0"/>
+          </a:p>
+          <a:p>
+            <a:r>
+              <a:rPr lang="de-DE" sz="1600" dirty="0">
+                <a:hlinkClick r:id="rId8"/>
               </a:rPr>
               <a:t>https://www.flaticon.com/free-icon/css_136527#term=css&amp;page=1&amp;position=2</a:t>
             </a:r>
-            <a:endParaRPr lang="de-DE" dirty="0"/>
-          </a:p>
-          <a:p>
-            <a:r>
-              <a:rPr lang="de-DE" dirty="0">
-                <a:hlinkClick r:id="rId8"/>
+            <a:endParaRPr lang="de-DE" sz="1600" dirty="0"/>
+          </a:p>
+          <a:p>
+            <a:r>
+              <a:rPr lang="de-DE" sz="1600" dirty="0">
+                <a:hlinkClick r:id="rId9"/>
               </a:rPr>
               <a:t>https://nodejs.org/en/</a:t>
             </a:r>
-            <a:endParaRPr lang="de-DE" dirty="0"/>
-          </a:p>
-          <a:p>
-            <a:r>
-              <a:rPr lang="de-DE" dirty="0">
-                <a:hlinkClick r:id="rId9"/>
+            <a:endParaRPr lang="de-DE" sz="1600" dirty="0"/>
+          </a:p>
+          <a:p>
+            <a:r>
+              <a:rPr lang="de-DE" sz="1600" dirty="0">
+                <a:hlinkClick r:id="rId10"/>
               </a:rPr>
               <a:t>https://git-scm.com/download/gui/win</a:t>
             </a:r>
-            <a:endParaRPr lang="de-DE" dirty="0"/>
-          </a:p>
-          <a:p>
-            <a:r>
-              <a:rPr lang="de-DE" dirty="0"/>
+            <a:endParaRPr lang="de-DE" sz="1600" dirty="0"/>
+          </a:p>
+          <a:p>
+            <a:r>
+              <a:rPr lang="de-DE" sz="1600" dirty="0">
+                <a:hlinkClick r:id="rId11"/>
+              </a:rPr>
               <a:t>https://de.wikipedia.org/wiki/Visual_Studio_Code</a:t>
             </a:r>
-          </a:p>
-          <a:p>
-            <a:endParaRPr lang="de-DE" dirty="0"/>
-          </a:p>
-          <a:p>
-            <a:endParaRPr lang="de-DE" dirty="0"/>
-          </a:p>
-          <a:p>
-            <a:endParaRPr lang="de-DE" dirty="0"/>
-          </a:p>
-          <a:p>
-            <a:endParaRPr lang="de-DE" dirty="0"/>
-          </a:p>
-          <a:p>
-            <a:endParaRPr lang="de-DE" dirty="0"/>
+            <a:endParaRPr lang="de-DE" sz="1600" dirty="0"/>
+          </a:p>
+          <a:p>
+            <a:r>
+              <a:rPr lang="de-DE" sz="1600" dirty="0">
+                <a:hlinkClick r:id="rId12"/>
+              </a:rPr>
+              <a:t>https://www.flaticon.com/free-icon/checked_291201#term=check&amp;page=1&amp;position=2</a:t>
+            </a:r>
+            <a:endParaRPr lang="de-DE" sz="1600" dirty="0"/>
+          </a:p>
+          <a:p>
+            <a:r>
+              <a:rPr lang="de-DE" sz="1600" dirty="0">
+                <a:hlinkClick r:id="rId13"/>
+              </a:rPr>
+              <a:t>https://www.flaticon.com/free-icon/warning_595067#term=warn&amp;page=1&amp;position=29</a:t>
+            </a:r>
+            <a:endParaRPr lang="de-DE" sz="1600" dirty="0"/>
+          </a:p>
+          <a:p>
+            <a:endParaRPr lang="de-DE" sz="1600" dirty="0"/>
+          </a:p>
+          <a:p>
+            <a:endParaRPr lang="de-DE" sz="1600" dirty="0"/>
+          </a:p>
+          <a:p>
+            <a:endParaRPr lang="de-DE" sz="1600" dirty="0"/>
+          </a:p>
+          <a:p>
+            <a:endParaRPr lang="de-DE" sz="1600" dirty="0"/>
+          </a:p>
+          <a:p>
+            <a:endParaRPr lang="de-DE" sz="1600" dirty="0"/>
+          </a:p>
+          <a:p>
+            <a:endParaRPr lang="de-DE" sz="1600" dirty="0"/>
+          </a:p>
+          <a:p>
+            <a:endParaRPr lang="de-DE" sz="1600" dirty="0"/>
+          </a:p>
+          <a:p>
+            <a:endParaRPr lang="de-DE" sz="1600" dirty="0"/>
           </a:p>
         </p:txBody>
       </p:sp>
@@ -26841,7 +27179,7 @@
             <a:pPr lvl="1"/>
             <a:r>
               <a:rPr lang="de-DE" sz="2400" dirty="0"/>
-              <a:t>Pestpandemie im 19 Jahrhundert </a:t>
+              <a:t>Pestpandemie im 19. Jahrhundert </a:t>
             </a:r>
           </a:p>
         </p:txBody>
@@ -27197,7 +27535,7 @@
           <a:p>
             <a:r>
               <a:rPr lang="de-DE" sz="2400" dirty="0"/>
-              <a:t>Übertragen über Biss eines infizierten Flohs, welcher über Ratten zu Menschen gelangt</a:t>
+              <a:t>Übertragung über Biss eines infizierten Flohs, welcher über Ratten zu Menschen gelangt</a:t>
             </a:r>
           </a:p>
           <a:p>
@@ -28850,7 +29188,7 @@
           <a:p>
             <a:r>
               <a:rPr lang="de-DE" sz="2400" dirty="0"/>
-              <a:t>Theorien:</a:t>
+              <a:t>Theorien für Entstehung:</a:t>
             </a:r>
           </a:p>
           <a:p>

--- a/Präsentation.pptx
+++ b/Präsentation.pptx
@@ -5781,7 +5781,7 @@
             <a:fld id="{B34F82CB-3DB3-4712-8EBD-9216A2F859CE}" type="datetimeFigureOut">
               <a:rPr lang="de-DE" altLang="de-DE"/>
               <a:pPr/>
-              <a:t>27.01.2019</a:t>
+              <a:t>01.02.2019</a:t>
             </a:fld>
             <a:endParaRPr lang="de-DE" altLang="de-DE"/>
           </a:p>
@@ -19002,7 +19002,7 @@
                   </a:outerShdw>
                 </a:effectLst>
               </a:rPr>
-              <a:t>Simulation der Ausbreitung von Pest in den Jahren 1347-1450 in Europa</a:t>
+              <a:t>Simulation der Auswirkungen von Pest in den Jahren 1347-1450 in Europa</a:t>
             </a:r>
             <a:br>
               <a:rPr lang="de-DE" sz="3200" b="1" dirty="0"/>

--- a/Präsentation.pptx
+++ b/Präsentation.pptx
@@ -7,7 +7,7 @@
     <p:sldMasterId id="2147483848" r:id="rId3"/>
   </p:sldMasterIdLst>
   <p:notesMasterIdLst>
-    <p:notesMasterId r:id="rId25"/>
+    <p:notesMasterId r:id="rId26"/>
   </p:notesMasterIdLst>
   <p:sldIdLst>
     <p:sldId id="323" r:id="rId4"/>
@@ -27,10 +27,11 @@
     <p:sldId id="388" r:id="rId18"/>
     <p:sldId id="394" r:id="rId19"/>
     <p:sldId id="389" r:id="rId20"/>
-    <p:sldId id="390" r:id="rId21"/>
-    <p:sldId id="395" r:id="rId22"/>
-    <p:sldId id="383" r:id="rId23"/>
-    <p:sldId id="396" r:id="rId24"/>
+    <p:sldId id="397" r:id="rId21"/>
+    <p:sldId id="390" r:id="rId22"/>
+    <p:sldId id="395" r:id="rId23"/>
+    <p:sldId id="383" r:id="rId24"/>
+    <p:sldId id="396" r:id="rId25"/>
   </p:sldIdLst>
   <p:sldSz cx="9144000" cy="6858000" type="screen4x3"/>
   <p:notesSz cx="6805613" cy="9939338"/>
@@ -5781,7 +5782,7 @@
             <a:fld id="{B34F82CB-3DB3-4712-8EBD-9216A2F859CE}" type="datetimeFigureOut">
               <a:rPr lang="de-DE" altLang="de-DE"/>
               <a:pPr/>
-              <a:t>01.02.2019</a:t>
+              <a:t>05.02.2019</a:t>
             </a:fld>
             <a:endParaRPr lang="de-DE" altLang="de-DE"/>
           </a:p>
@@ -7015,7 +7016,7 @@
     </p:spTree>
     <p:extLst>
       <p:ext uri="{BB962C8B-B14F-4D97-AF65-F5344CB8AC3E}">
-        <p14:creationId xmlns:p14="http://schemas.microsoft.com/office/powerpoint/2010/main" val="2538849828"/>
+        <p14:creationId xmlns:p14="http://schemas.microsoft.com/office/powerpoint/2010/main" val="156227771"/>
       </p:ext>
     </p:extLst>
   </p:cSld>
@@ -7100,7 +7101,7 @@
     </p:spTree>
     <p:extLst>
       <p:ext uri="{BB962C8B-B14F-4D97-AF65-F5344CB8AC3E}">
-        <p14:creationId xmlns:p14="http://schemas.microsoft.com/office/powerpoint/2010/main" val="4034977167"/>
+        <p14:creationId xmlns:p14="http://schemas.microsoft.com/office/powerpoint/2010/main" val="2538849828"/>
       </p:ext>
     </p:extLst>
   </p:cSld>
@@ -7274,7 +7275,7 @@
     </p:spTree>
     <p:extLst>
       <p:ext uri="{BB962C8B-B14F-4D97-AF65-F5344CB8AC3E}">
-        <p14:creationId xmlns:p14="http://schemas.microsoft.com/office/powerpoint/2010/main" val="3856119948"/>
+        <p14:creationId xmlns:p14="http://schemas.microsoft.com/office/powerpoint/2010/main" val="4034977167"/>
       </p:ext>
     </p:extLst>
   </p:cSld>
@@ -7351,6 +7352,91 @@
               <a:rPr lang="de-DE" altLang="de-DE" smtClean="0"/>
               <a:pPr/>
               <a:t>21</a:t>
+            </a:fld>
+            <a:endParaRPr lang="de-DE" altLang="de-DE"/>
+          </a:p>
+        </p:txBody>
+      </p:sp>
+    </p:spTree>
+    <p:extLst>
+      <p:ext uri="{BB962C8B-B14F-4D97-AF65-F5344CB8AC3E}">
+        <p14:creationId xmlns:p14="http://schemas.microsoft.com/office/powerpoint/2010/main" val="3856119948"/>
+      </p:ext>
+    </p:extLst>
+  </p:cSld>
+  <p:clrMapOvr>
+    <a:masterClrMapping/>
+  </p:clrMapOvr>
+</p:notes>
+</file>
+
+<file path=ppt/notesSlides/notesSlide22.xml><?xml version="1.0" encoding="utf-8"?>
+<p:notes xmlns:a="http://schemas.openxmlformats.org/drawingml/2006/main" xmlns:r="http://schemas.openxmlformats.org/officeDocument/2006/relationships" xmlns:p="http://schemas.openxmlformats.org/presentationml/2006/main">
+  <p:cSld>
+    <p:spTree>
+      <p:nvGrpSpPr>
+        <p:cNvPr id="1" name=""/>
+        <p:cNvGrpSpPr/>
+        <p:nvPr/>
+      </p:nvGrpSpPr>
+      <p:grpSpPr>
+        <a:xfrm>
+          <a:off x="0" y="0"/>
+          <a:ext cx="0" cy="0"/>
+          <a:chOff x="0" y="0"/>
+          <a:chExt cx="0" cy="0"/>
+        </a:xfrm>
+      </p:grpSpPr>
+      <p:sp>
+        <p:nvSpPr>
+          <p:cNvPr id="2" name="Folienbildplatzhalter 1"/>
+          <p:cNvSpPr>
+            <a:spLocks noGrp="1" noRot="1" noChangeAspect="1"/>
+          </p:cNvSpPr>
+          <p:nvPr>
+            <p:ph type="sldImg"/>
+          </p:nvPr>
+        </p:nvSpPr>
+        <p:spPr/>
+      </p:sp>
+      <p:sp>
+        <p:nvSpPr>
+          <p:cNvPr id="3" name="Notizenplatzhalter 2"/>
+          <p:cNvSpPr>
+            <a:spLocks noGrp="1"/>
+          </p:cNvSpPr>
+          <p:nvPr>
+            <p:ph type="body" idx="1"/>
+          </p:nvPr>
+        </p:nvSpPr>
+        <p:spPr/>
+        <p:txBody>
+          <a:bodyPr/>
+          <a:lstStyle/>
+          <a:p>
+            <a:endParaRPr lang="de-DE" dirty="0"/>
+          </a:p>
+        </p:txBody>
+      </p:sp>
+      <p:sp>
+        <p:nvSpPr>
+          <p:cNvPr id="4" name="Foliennummernplatzhalter 3"/>
+          <p:cNvSpPr>
+            <a:spLocks noGrp="1"/>
+          </p:cNvSpPr>
+          <p:nvPr>
+            <p:ph type="sldNum" sz="quarter" idx="5"/>
+          </p:nvPr>
+        </p:nvSpPr>
+        <p:spPr/>
+        <p:txBody>
+          <a:bodyPr/>
+          <a:lstStyle/>
+          <a:p>
+            <a:fld id="{45AA7A2F-9B2B-40B9-9D74-2EB02CF5C8E1}" type="slidenum">
+              <a:rPr lang="de-DE" altLang="de-DE" smtClean="0"/>
+              <a:pPr/>
+              <a:t>22</a:t>
             </a:fld>
             <a:endParaRPr lang="de-DE" altLang="de-DE"/>
           </a:p>
@@ -25533,7 +25619,7 @@
           <a:p>
             <a:r>
               <a:rPr lang="de-DE" sz="3200" dirty="0"/>
-              <a:t>Test</a:t>
+              <a:t>Implementierung</a:t>
             </a:r>
           </a:p>
         </p:txBody>
@@ -25799,7 +25885,45 @@
           <a:bodyPr/>
           <a:lstStyle/>
           <a:p>
-            <a:endParaRPr lang="de-DE" dirty="0"/>
+            <a:r>
+              <a:rPr lang="de-DE" sz="2400" dirty="0"/>
+              <a:t>HTML Tabelle als Darstellung für Landkarte</a:t>
+            </a:r>
+          </a:p>
+          <a:p>
+            <a:r>
+              <a:rPr lang="de-DE" sz="2400" dirty="0"/>
+              <a:t>Logik in JavaScript</a:t>
+            </a:r>
+          </a:p>
+          <a:p>
+            <a:r>
+              <a:rPr lang="de-DE" sz="2400" dirty="0"/>
+              <a:t>Daten für Simulation in JSON</a:t>
+            </a:r>
+          </a:p>
+          <a:p>
+            <a:r>
+              <a:rPr lang="de-DE" sz="2400" dirty="0"/>
+              <a:t>Styling mit Bootstrap CSS-Framework</a:t>
+            </a:r>
+          </a:p>
+          <a:p>
+            <a:r>
+              <a:rPr lang="de-DE" sz="2400" dirty="0"/>
+              <a:t>Versionsverwaltung mit </a:t>
+            </a:r>
+            <a:r>
+              <a:rPr lang="de-DE" sz="2400" dirty="0" err="1"/>
+              <a:t>Git</a:t>
+            </a:r>
+            <a:endParaRPr lang="de-DE" sz="2400" dirty="0"/>
+          </a:p>
+          <a:p>
+            <a:endParaRPr lang="de-DE" sz="2400" dirty="0"/>
+          </a:p>
+          <a:p>
+            <a:endParaRPr lang="de-DE" sz="2400" dirty="0"/>
           </a:p>
         </p:txBody>
       </p:sp>
@@ -25820,6 +25944,381 @@
 </file>
 
 <file path=ppt/slides/slide18.xml><?xml version="1.0" encoding="utf-8"?>
+<p:sld xmlns:a="http://schemas.openxmlformats.org/drawingml/2006/main" xmlns:r="http://schemas.openxmlformats.org/officeDocument/2006/relationships" xmlns:p="http://schemas.openxmlformats.org/presentationml/2006/main">
+  <p:cSld>
+    <p:spTree>
+      <p:nvGrpSpPr>
+        <p:cNvPr id="1" name=""/>
+        <p:cNvGrpSpPr/>
+        <p:nvPr/>
+      </p:nvGrpSpPr>
+      <p:grpSpPr>
+        <a:xfrm>
+          <a:off x="0" y="0"/>
+          <a:ext cx="0" cy="0"/>
+          <a:chOff x="0" y="0"/>
+          <a:chExt cx="0" cy="0"/>
+        </a:xfrm>
+      </p:grpSpPr>
+      <p:sp>
+        <p:nvSpPr>
+          <p:cNvPr id="2" name="Titel 1">
+            <a:extLst>
+              <a:ext uri="{FF2B5EF4-FFF2-40B4-BE49-F238E27FC236}">
+                <a16:creationId xmlns:a16="http://schemas.microsoft.com/office/drawing/2014/main" id="{85A3630F-75CA-401B-A4F8-6FD29D3733CD}"/>
+              </a:ext>
+            </a:extLst>
+          </p:cNvPr>
+          <p:cNvSpPr>
+            <a:spLocks noGrp="1"/>
+          </p:cNvSpPr>
+          <p:nvPr>
+            <p:ph type="title"/>
+          </p:nvPr>
+        </p:nvSpPr>
+        <p:spPr>
+          <a:xfrm>
+            <a:off x="503238" y="620688"/>
+            <a:ext cx="7381875" cy="1000125"/>
+          </a:xfrm>
+        </p:spPr>
+        <p:txBody>
+          <a:bodyPr/>
+          <a:lstStyle/>
+          <a:p>
+            <a:r>
+              <a:rPr lang="de-DE" sz="3200" dirty="0"/>
+              <a:t>Implementierung</a:t>
+            </a:r>
+          </a:p>
+        </p:txBody>
+      </p:sp>
+      <p:sp>
+        <p:nvSpPr>
+          <p:cNvPr id="6" name="Rechteck 5">
+            <a:extLst>
+              <a:ext uri="{FF2B5EF4-FFF2-40B4-BE49-F238E27FC236}">
+                <a16:creationId xmlns:a16="http://schemas.microsoft.com/office/drawing/2014/main" id="{AF12B9D7-B0AF-495F-8EFB-8527AB721D84}"/>
+              </a:ext>
+            </a:extLst>
+          </p:cNvPr>
+          <p:cNvSpPr/>
+          <p:nvPr/>
+        </p:nvSpPr>
+        <p:spPr>
+          <a:xfrm>
+            <a:off x="107504" y="6381328"/>
+            <a:ext cx="1728192" cy="315392"/>
+          </a:xfrm>
+          <a:prstGeom prst="rect">
+            <a:avLst/>
+          </a:prstGeom>
+        </p:spPr>
+        <p:style>
+          <a:lnRef idx="3">
+            <a:schemeClr val="lt1"/>
+          </a:lnRef>
+          <a:fillRef idx="1">
+            <a:schemeClr val="accent1"/>
+          </a:fillRef>
+          <a:effectRef idx="1">
+            <a:schemeClr val="accent1"/>
+          </a:effectRef>
+          <a:fontRef idx="minor">
+            <a:schemeClr val="lt1"/>
+          </a:fontRef>
+        </p:style>
+        <p:txBody>
+          <a:bodyPr rtlCol="0" anchor="ctr"/>
+          <a:lstStyle/>
+          <a:p>
+            <a:pPr algn="ctr"/>
+            <a:r>
+              <a:rPr lang="de-DE" sz="1600" dirty="0"/>
+              <a:t>Hintergrund</a:t>
+            </a:r>
+          </a:p>
+        </p:txBody>
+      </p:sp>
+      <p:sp>
+        <p:nvSpPr>
+          <p:cNvPr id="7" name="Rechteck 6">
+            <a:extLst>
+              <a:ext uri="{FF2B5EF4-FFF2-40B4-BE49-F238E27FC236}">
+                <a16:creationId xmlns:a16="http://schemas.microsoft.com/office/drawing/2014/main" id="{0A0E1088-9BBD-40BA-B13D-B118A4074DB4}"/>
+              </a:ext>
+            </a:extLst>
+          </p:cNvPr>
+          <p:cNvSpPr/>
+          <p:nvPr/>
+        </p:nvSpPr>
+        <p:spPr>
+          <a:xfrm>
+            <a:off x="1907704" y="6381328"/>
+            <a:ext cx="1728192" cy="315392"/>
+          </a:xfrm>
+          <a:prstGeom prst="rect">
+            <a:avLst/>
+          </a:prstGeom>
+        </p:spPr>
+        <p:style>
+          <a:lnRef idx="3">
+            <a:schemeClr val="lt1"/>
+          </a:lnRef>
+          <a:fillRef idx="1">
+            <a:schemeClr val="accent1"/>
+          </a:fillRef>
+          <a:effectRef idx="1">
+            <a:schemeClr val="accent1"/>
+          </a:effectRef>
+          <a:fontRef idx="minor">
+            <a:schemeClr val="lt1"/>
+          </a:fontRef>
+        </p:style>
+        <p:txBody>
+          <a:bodyPr rtlCol="0" anchor="ctr"/>
+          <a:lstStyle/>
+          <a:p>
+            <a:pPr algn="ctr"/>
+            <a:r>
+              <a:rPr lang="de-DE" sz="1600" dirty="0"/>
+              <a:t>Analyse</a:t>
+            </a:r>
+          </a:p>
+        </p:txBody>
+      </p:sp>
+      <p:sp>
+        <p:nvSpPr>
+          <p:cNvPr id="8" name="Rechteck 7">
+            <a:extLst>
+              <a:ext uri="{FF2B5EF4-FFF2-40B4-BE49-F238E27FC236}">
+                <a16:creationId xmlns:a16="http://schemas.microsoft.com/office/drawing/2014/main" id="{2C14A688-BB41-468E-B74F-61180DA3EBC9}"/>
+              </a:ext>
+            </a:extLst>
+          </p:cNvPr>
+          <p:cNvSpPr/>
+          <p:nvPr/>
+        </p:nvSpPr>
+        <p:spPr>
+          <a:xfrm>
+            <a:off x="3707904" y="6381328"/>
+            <a:ext cx="1728192" cy="315392"/>
+          </a:xfrm>
+          <a:prstGeom prst="rect">
+            <a:avLst/>
+          </a:prstGeom>
+        </p:spPr>
+        <p:style>
+          <a:lnRef idx="3">
+            <a:schemeClr val="lt1"/>
+          </a:lnRef>
+          <a:fillRef idx="1">
+            <a:schemeClr val="accent1"/>
+          </a:fillRef>
+          <a:effectRef idx="1">
+            <a:schemeClr val="accent1"/>
+          </a:effectRef>
+          <a:fontRef idx="minor">
+            <a:schemeClr val="lt1"/>
+          </a:fontRef>
+        </p:style>
+        <p:txBody>
+          <a:bodyPr rtlCol="0" anchor="ctr"/>
+          <a:lstStyle/>
+          <a:p>
+            <a:pPr algn="ctr"/>
+            <a:r>
+              <a:rPr lang="de-DE" sz="1600" dirty="0"/>
+              <a:t>Planung</a:t>
+            </a:r>
+          </a:p>
+        </p:txBody>
+      </p:sp>
+      <p:sp>
+        <p:nvSpPr>
+          <p:cNvPr id="9" name="Rechteck 8">
+            <a:extLst>
+              <a:ext uri="{FF2B5EF4-FFF2-40B4-BE49-F238E27FC236}">
+                <a16:creationId xmlns:a16="http://schemas.microsoft.com/office/drawing/2014/main" id="{C697DA87-24E4-468E-8E05-3CA46A9FB734}"/>
+              </a:ext>
+            </a:extLst>
+          </p:cNvPr>
+          <p:cNvSpPr/>
+          <p:nvPr/>
+        </p:nvSpPr>
+        <p:spPr>
+          <a:xfrm>
+            <a:off x="5508104" y="6381328"/>
+            <a:ext cx="1728192" cy="315392"/>
+          </a:xfrm>
+          <a:prstGeom prst="rect">
+            <a:avLst/>
+          </a:prstGeom>
+        </p:spPr>
+        <p:style>
+          <a:lnRef idx="3">
+            <a:schemeClr val="lt1"/>
+          </a:lnRef>
+          <a:fillRef idx="1">
+            <a:schemeClr val="accent5"/>
+          </a:fillRef>
+          <a:effectRef idx="1">
+            <a:schemeClr val="accent5"/>
+          </a:effectRef>
+          <a:fontRef idx="minor">
+            <a:schemeClr val="lt1"/>
+          </a:fontRef>
+        </p:style>
+        <p:txBody>
+          <a:bodyPr rtlCol="0" anchor="ctr"/>
+          <a:lstStyle/>
+          <a:p>
+            <a:pPr algn="ctr"/>
+            <a:r>
+              <a:rPr lang="de-DE" sz="1600" dirty="0"/>
+              <a:t>Implementierung</a:t>
+            </a:r>
+          </a:p>
+        </p:txBody>
+      </p:sp>
+      <p:sp>
+        <p:nvSpPr>
+          <p:cNvPr id="10" name="Rechteck 9">
+            <a:extLst>
+              <a:ext uri="{FF2B5EF4-FFF2-40B4-BE49-F238E27FC236}">
+                <a16:creationId xmlns:a16="http://schemas.microsoft.com/office/drawing/2014/main" id="{84159EA1-B77A-4A14-9ECC-1D0AE113E8CD}"/>
+              </a:ext>
+            </a:extLst>
+          </p:cNvPr>
+          <p:cNvSpPr/>
+          <p:nvPr/>
+        </p:nvSpPr>
+        <p:spPr>
+          <a:xfrm>
+            <a:off x="7308304" y="6381328"/>
+            <a:ext cx="1728192" cy="315392"/>
+          </a:xfrm>
+          <a:prstGeom prst="rect">
+            <a:avLst/>
+          </a:prstGeom>
+        </p:spPr>
+        <p:style>
+          <a:lnRef idx="3">
+            <a:schemeClr val="lt1"/>
+          </a:lnRef>
+          <a:fillRef idx="1">
+            <a:schemeClr val="dk1"/>
+          </a:fillRef>
+          <a:effectRef idx="1">
+            <a:schemeClr val="dk1"/>
+          </a:effectRef>
+          <a:fontRef idx="minor">
+            <a:schemeClr val="lt1"/>
+          </a:fontRef>
+        </p:style>
+        <p:txBody>
+          <a:bodyPr rtlCol="0" anchor="ctr"/>
+          <a:lstStyle/>
+          <a:p>
+            <a:pPr algn="ctr"/>
+            <a:r>
+              <a:rPr lang="de-DE" sz="1600" dirty="0"/>
+              <a:t>Fazit</a:t>
+            </a:r>
+          </a:p>
+        </p:txBody>
+      </p:sp>
+      <p:sp>
+        <p:nvSpPr>
+          <p:cNvPr id="4" name="Inhaltsplatzhalter 3">
+            <a:extLst>
+              <a:ext uri="{FF2B5EF4-FFF2-40B4-BE49-F238E27FC236}">
+                <a16:creationId xmlns:a16="http://schemas.microsoft.com/office/drawing/2014/main" id="{BDE017BE-9034-4D34-AAEE-10465F3781A2}"/>
+              </a:ext>
+            </a:extLst>
+          </p:cNvPr>
+          <p:cNvSpPr>
+            <a:spLocks noGrp="1"/>
+          </p:cNvSpPr>
+          <p:nvPr>
+            <p:ph idx="1"/>
+          </p:nvPr>
+        </p:nvSpPr>
+        <p:spPr>
+          <a:xfrm>
+            <a:off x="503238" y="1772816"/>
+            <a:ext cx="7381875" cy="3987800"/>
+          </a:xfrm>
+        </p:spPr>
+        <p:txBody>
+          <a:bodyPr/>
+          <a:lstStyle/>
+          <a:p>
+            <a:r>
+              <a:rPr lang="de-DE" sz="2400" dirty="0"/>
+              <a:t>Node.js Runtime Electron Framework</a:t>
+            </a:r>
+          </a:p>
+          <a:p>
+            <a:r>
+              <a:rPr lang="de-DE" sz="2400" dirty="0" err="1"/>
+              <a:t>Npm</a:t>
+            </a:r>
+            <a:r>
+              <a:rPr lang="de-DE" sz="2400" dirty="0"/>
+              <a:t> als Package-Manager</a:t>
+            </a:r>
+          </a:p>
+          <a:p>
+            <a:pPr>
+              <a:buFont typeface="Symbol" panose="05050102010706020507" pitchFamily="18" charset="2"/>
+              <a:buChar char="Þ"/>
+            </a:pPr>
+            <a:r>
+              <a:rPr lang="de-DE" sz="2400" dirty="0"/>
+              <a:t>Desktopapplikation mit setup.exe</a:t>
+            </a:r>
+          </a:p>
+          <a:p>
+            <a:pPr marL="0" indent="0">
+              <a:buNone/>
+            </a:pPr>
+            <a:endParaRPr lang="de-DE" sz="2400" dirty="0"/>
+          </a:p>
+          <a:p>
+            <a:pPr marL="0" indent="0">
+              <a:buNone/>
+            </a:pPr>
+            <a:endParaRPr lang="de-DE" sz="2400" dirty="0"/>
+          </a:p>
+          <a:p>
+            <a:pPr marL="0" indent="0" algn="ctr">
+              <a:buNone/>
+            </a:pPr>
+            <a:r>
+              <a:rPr lang="de-DE" sz="2400" b="1" u="sng" dirty="0"/>
+              <a:t>Demonstration</a:t>
+            </a:r>
+          </a:p>
+        </p:txBody>
+      </p:sp>
+    </p:spTree>
+    <p:extLst>
+      <p:ext uri="{BB962C8B-B14F-4D97-AF65-F5344CB8AC3E}">
+        <p14:creationId xmlns:p14="http://schemas.microsoft.com/office/powerpoint/2010/main" val="4075860490"/>
+      </p:ext>
+    </p:extLst>
+  </p:cSld>
+  <p:clrMapOvr>
+    <a:masterClrMapping/>
+  </p:clrMapOvr>
+  <p:transition>
+    <p:fade/>
+  </p:transition>
+</p:sld>
+</file>
+
+<file path=ppt/slides/slide19.xml><?xml version="1.0" encoding="utf-8"?>
 <p:sld xmlns:a="http://schemas.openxmlformats.org/drawingml/2006/main" xmlns:r="http://schemas.openxmlformats.org/officeDocument/2006/relationships" xmlns:p="http://schemas.openxmlformats.org/presentationml/2006/main">
   <p:cSld>
     <p:spTree>
@@ -26327,364 +26826,6 @@
     <p:extLst>
       <p:ext uri="{BB962C8B-B14F-4D97-AF65-F5344CB8AC3E}">
         <p14:creationId xmlns:p14="http://schemas.microsoft.com/office/powerpoint/2010/main" val="1480377555"/>
-      </p:ext>
-    </p:extLst>
-  </p:cSld>
-  <p:clrMapOvr>
-    <a:masterClrMapping/>
-  </p:clrMapOvr>
-  <p:transition>
-    <p:fade/>
-  </p:transition>
-</p:sld>
-</file>
-
-<file path=ppt/slides/slide19.xml><?xml version="1.0" encoding="utf-8"?>
-<p:sld xmlns:a="http://schemas.openxmlformats.org/drawingml/2006/main" xmlns:r="http://schemas.openxmlformats.org/officeDocument/2006/relationships" xmlns:p="http://schemas.openxmlformats.org/presentationml/2006/main">
-  <p:cSld>
-    <p:spTree>
-      <p:nvGrpSpPr>
-        <p:cNvPr id="1" name=""/>
-        <p:cNvGrpSpPr/>
-        <p:nvPr/>
-      </p:nvGrpSpPr>
-      <p:grpSpPr>
-        <a:xfrm>
-          <a:off x="0" y="0"/>
-          <a:ext cx="0" cy="0"/>
-          <a:chOff x="0" y="0"/>
-          <a:chExt cx="0" cy="0"/>
-        </a:xfrm>
-      </p:grpSpPr>
-      <p:sp>
-        <p:nvSpPr>
-          <p:cNvPr id="2" name="Titel 1">
-            <a:extLst>
-              <a:ext uri="{FF2B5EF4-FFF2-40B4-BE49-F238E27FC236}">
-                <a16:creationId xmlns:a16="http://schemas.microsoft.com/office/drawing/2014/main" id="{85A3630F-75CA-401B-A4F8-6FD29D3733CD}"/>
-              </a:ext>
-            </a:extLst>
-          </p:cNvPr>
-          <p:cNvSpPr>
-            <a:spLocks noGrp="1"/>
-          </p:cNvSpPr>
-          <p:nvPr>
-            <p:ph type="title"/>
-          </p:nvPr>
-        </p:nvSpPr>
-        <p:spPr>
-          <a:xfrm>
-            <a:off x="503238" y="620688"/>
-            <a:ext cx="7381875" cy="1000125"/>
-          </a:xfrm>
-        </p:spPr>
-        <p:txBody>
-          <a:bodyPr/>
-          <a:lstStyle/>
-          <a:p>
-            <a:r>
-              <a:rPr lang="de-DE" sz="3200" dirty="0"/>
-              <a:t>Ausblick</a:t>
-            </a:r>
-          </a:p>
-        </p:txBody>
-      </p:sp>
-      <p:sp>
-        <p:nvSpPr>
-          <p:cNvPr id="6" name="Rechteck 5">
-            <a:extLst>
-              <a:ext uri="{FF2B5EF4-FFF2-40B4-BE49-F238E27FC236}">
-                <a16:creationId xmlns:a16="http://schemas.microsoft.com/office/drawing/2014/main" id="{AF12B9D7-B0AF-495F-8EFB-8527AB721D84}"/>
-              </a:ext>
-            </a:extLst>
-          </p:cNvPr>
-          <p:cNvSpPr/>
-          <p:nvPr/>
-        </p:nvSpPr>
-        <p:spPr>
-          <a:xfrm>
-            <a:off x="107504" y="6381328"/>
-            <a:ext cx="1728192" cy="315392"/>
-          </a:xfrm>
-          <a:prstGeom prst="rect">
-            <a:avLst/>
-          </a:prstGeom>
-        </p:spPr>
-        <p:style>
-          <a:lnRef idx="3">
-            <a:schemeClr val="lt1"/>
-          </a:lnRef>
-          <a:fillRef idx="1">
-            <a:schemeClr val="accent1"/>
-          </a:fillRef>
-          <a:effectRef idx="1">
-            <a:schemeClr val="accent1"/>
-          </a:effectRef>
-          <a:fontRef idx="minor">
-            <a:schemeClr val="lt1"/>
-          </a:fontRef>
-        </p:style>
-        <p:txBody>
-          <a:bodyPr rtlCol="0" anchor="ctr"/>
-          <a:lstStyle/>
-          <a:p>
-            <a:pPr algn="ctr"/>
-            <a:r>
-              <a:rPr lang="de-DE" sz="1600" dirty="0"/>
-              <a:t>Hintergrund</a:t>
-            </a:r>
-          </a:p>
-        </p:txBody>
-      </p:sp>
-      <p:sp>
-        <p:nvSpPr>
-          <p:cNvPr id="7" name="Rechteck 6">
-            <a:extLst>
-              <a:ext uri="{FF2B5EF4-FFF2-40B4-BE49-F238E27FC236}">
-                <a16:creationId xmlns:a16="http://schemas.microsoft.com/office/drawing/2014/main" id="{0A0E1088-9BBD-40BA-B13D-B118A4074DB4}"/>
-              </a:ext>
-            </a:extLst>
-          </p:cNvPr>
-          <p:cNvSpPr/>
-          <p:nvPr/>
-        </p:nvSpPr>
-        <p:spPr>
-          <a:xfrm>
-            <a:off x="1907704" y="6381328"/>
-            <a:ext cx="1728192" cy="315392"/>
-          </a:xfrm>
-          <a:prstGeom prst="rect">
-            <a:avLst/>
-          </a:prstGeom>
-        </p:spPr>
-        <p:style>
-          <a:lnRef idx="3">
-            <a:schemeClr val="lt1"/>
-          </a:lnRef>
-          <a:fillRef idx="1">
-            <a:schemeClr val="accent1"/>
-          </a:fillRef>
-          <a:effectRef idx="1">
-            <a:schemeClr val="accent1"/>
-          </a:effectRef>
-          <a:fontRef idx="minor">
-            <a:schemeClr val="lt1"/>
-          </a:fontRef>
-        </p:style>
-        <p:txBody>
-          <a:bodyPr rtlCol="0" anchor="ctr"/>
-          <a:lstStyle/>
-          <a:p>
-            <a:pPr algn="ctr"/>
-            <a:r>
-              <a:rPr lang="de-DE" sz="1600" dirty="0"/>
-              <a:t>Analyse</a:t>
-            </a:r>
-          </a:p>
-        </p:txBody>
-      </p:sp>
-      <p:sp>
-        <p:nvSpPr>
-          <p:cNvPr id="8" name="Rechteck 7">
-            <a:extLst>
-              <a:ext uri="{FF2B5EF4-FFF2-40B4-BE49-F238E27FC236}">
-                <a16:creationId xmlns:a16="http://schemas.microsoft.com/office/drawing/2014/main" id="{2C14A688-BB41-468E-B74F-61180DA3EBC9}"/>
-              </a:ext>
-            </a:extLst>
-          </p:cNvPr>
-          <p:cNvSpPr/>
-          <p:nvPr/>
-        </p:nvSpPr>
-        <p:spPr>
-          <a:xfrm>
-            <a:off x="3707904" y="6381328"/>
-            <a:ext cx="1728192" cy="315392"/>
-          </a:xfrm>
-          <a:prstGeom prst="rect">
-            <a:avLst/>
-          </a:prstGeom>
-        </p:spPr>
-        <p:style>
-          <a:lnRef idx="3">
-            <a:schemeClr val="lt1"/>
-          </a:lnRef>
-          <a:fillRef idx="1">
-            <a:schemeClr val="accent1"/>
-          </a:fillRef>
-          <a:effectRef idx="1">
-            <a:schemeClr val="accent1"/>
-          </a:effectRef>
-          <a:fontRef idx="minor">
-            <a:schemeClr val="lt1"/>
-          </a:fontRef>
-        </p:style>
-        <p:txBody>
-          <a:bodyPr rtlCol="0" anchor="ctr"/>
-          <a:lstStyle/>
-          <a:p>
-            <a:pPr algn="ctr"/>
-            <a:r>
-              <a:rPr lang="de-DE" sz="1600" dirty="0"/>
-              <a:t>Planung</a:t>
-            </a:r>
-          </a:p>
-        </p:txBody>
-      </p:sp>
-      <p:sp>
-        <p:nvSpPr>
-          <p:cNvPr id="9" name="Rechteck 8">
-            <a:extLst>
-              <a:ext uri="{FF2B5EF4-FFF2-40B4-BE49-F238E27FC236}">
-                <a16:creationId xmlns:a16="http://schemas.microsoft.com/office/drawing/2014/main" id="{C697DA87-24E4-468E-8E05-3CA46A9FB734}"/>
-              </a:ext>
-            </a:extLst>
-          </p:cNvPr>
-          <p:cNvSpPr/>
-          <p:nvPr/>
-        </p:nvSpPr>
-        <p:spPr>
-          <a:xfrm>
-            <a:off x="5508104" y="6381328"/>
-            <a:ext cx="1728192" cy="315392"/>
-          </a:xfrm>
-          <a:prstGeom prst="rect">
-            <a:avLst/>
-          </a:prstGeom>
-        </p:spPr>
-        <p:style>
-          <a:lnRef idx="3">
-            <a:schemeClr val="lt1"/>
-          </a:lnRef>
-          <a:fillRef idx="1">
-            <a:schemeClr val="accent1"/>
-          </a:fillRef>
-          <a:effectRef idx="1">
-            <a:schemeClr val="accent1"/>
-          </a:effectRef>
-          <a:fontRef idx="minor">
-            <a:schemeClr val="lt1"/>
-          </a:fontRef>
-        </p:style>
-        <p:txBody>
-          <a:bodyPr rtlCol="0" anchor="ctr"/>
-          <a:lstStyle/>
-          <a:p>
-            <a:pPr algn="ctr"/>
-            <a:r>
-              <a:rPr lang="de-DE" sz="1600" dirty="0"/>
-              <a:t>Implementierung</a:t>
-            </a:r>
-          </a:p>
-        </p:txBody>
-      </p:sp>
-      <p:sp>
-        <p:nvSpPr>
-          <p:cNvPr id="10" name="Rechteck 9">
-            <a:extLst>
-              <a:ext uri="{FF2B5EF4-FFF2-40B4-BE49-F238E27FC236}">
-                <a16:creationId xmlns:a16="http://schemas.microsoft.com/office/drawing/2014/main" id="{84159EA1-B77A-4A14-9ECC-1D0AE113E8CD}"/>
-              </a:ext>
-            </a:extLst>
-          </p:cNvPr>
-          <p:cNvSpPr/>
-          <p:nvPr/>
-        </p:nvSpPr>
-        <p:spPr>
-          <a:xfrm>
-            <a:off x="7308304" y="6381328"/>
-            <a:ext cx="1728192" cy="315392"/>
-          </a:xfrm>
-          <a:prstGeom prst="rect">
-            <a:avLst/>
-          </a:prstGeom>
-        </p:spPr>
-        <p:style>
-          <a:lnRef idx="3">
-            <a:schemeClr val="lt1"/>
-          </a:lnRef>
-          <a:fillRef idx="1">
-            <a:schemeClr val="accent5"/>
-          </a:fillRef>
-          <a:effectRef idx="1">
-            <a:schemeClr val="accent5"/>
-          </a:effectRef>
-          <a:fontRef idx="minor">
-            <a:schemeClr val="lt1"/>
-          </a:fontRef>
-        </p:style>
-        <p:txBody>
-          <a:bodyPr rtlCol="0" anchor="ctr"/>
-          <a:lstStyle/>
-          <a:p>
-            <a:pPr algn="ctr"/>
-            <a:r>
-              <a:rPr lang="de-DE" sz="1600" dirty="0"/>
-              <a:t>Fazit</a:t>
-            </a:r>
-          </a:p>
-        </p:txBody>
-      </p:sp>
-      <p:sp>
-        <p:nvSpPr>
-          <p:cNvPr id="4" name="Inhaltsplatzhalter 3">
-            <a:extLst>
-              <a:ext uri="{FF2B5EF4-FFF2-40B4-BE49-F238E27FC236}">
-                <a16:creationId xmlns:a16="http://schemas.microsoft.com/office/drawing/2014/main" id="{BDE017BE-9034-4D34-AAEE-10465F3781A2}"/>
-              </a:ext>
-            </a:extLst>
-          </p:cNvPr>
-          <p:cNvSpPr>
-            <a:spLocks noGrp="1"/>
-          </p:cNvSpPr>
-          <p:nvPr>
-            <p:ph idx="1"/>
-          </p:nvPr>
-        </p:nvSpPr>
-        <p:spPr>
-          <a:xfrm>
-            <a:off x="503238" y="1772816"/>
-            <a:ext cx="7381875" cy="3987800"/>
-          </a:xfrm>
-        </p:spPr>
-        <p:txBody>
-          <a:bodyPr/>
-          <a:lstStyle/>
-          <a:p>
-            <a:r>
-              <a:rPr lang="de-DE" sz="2400" dirty="0"/>
-              <a:t>Berücksichtigung Ausbreitung der Pest auf ganze Welt</a:t>
-            </a:r>
-          </a:p>
-          <a:p>
-            <a:r>
-              <a:rPr lang="de-DE" sz="2400" dirty="0"/>
-              <a:t>Veranschaulichung verschiedener Krankheiten</a:t>
-            </a:r>
-          </a:p>
-          <a:p>
-            <a:r>
-              <a:rPr lang="de-DE" sz="2400" dirty="0"/>
-              <a:t>zeitliche Darstellung seit Beginn</a:t>
-            </a:r>
-          </a:p>
-          <a:p>
-            <a:r>
-              <a:rPr lang="de-DE" sz="2400" dirty="0"/>
-              <a:t>Politische/wirtschaftliche Auswirkungen der Pest</a:t>
-            </a:r>
-          </a:p>
-          <a:p>
-            <a:r>
-              <a:rPr lang="de-DE" sz="2400" b="1" dirty="0"/>
-              <a:t>Designaspekte Landkarte</a:t>
-            </a:r>
-          </a:p>
-        </p:txBody>
-      </p:sp>
-    </p:spTree>
-    <p:extLst>
-      <p:ext uri="{BB962C8B-B14F-4D97-AF65-F5344CB8AC3E}">
-        <p14:creationId xmlns:p14="http://schemas.microsoft.com/office/powerpoint/2010/main" val="1053333516"/>
       </p:ext>
     </p:extLst>
   </p:cSld>
@@ -26807,6 +26948,364 @@
           <p:cNvPr id="2" name="Titel 1">
             <a:extLst>
               <a:ext uri="{FF2B5EF4-FFF2-40B4-BE49-F238E27FC236}">
+                <a16:creationId xmlns:a16="http://schemas.microsoft.com/office/drawing/2014/main" id="{85A3630F-75CA-401B-A4F8-6FD29D3733CD}"/>
+              </a:ext>
+            </a:extLst>
+          </p:cNvPr>
+          <p:cNvSpPr>
+            <a:spLocks noGrp="1"/>
+          </p:cNvSpPr>
+          <p:nvPr>
+            <p:ph type="title"/>
+          </p:nvPr>
+        </p:nvSpPr>
+        <p:spPr>
+          <a:xfrm>
+            <a:off x="503238" y="620688"/>
+            <a:ext cx="7381875" cy="1000125"/>
+          </a:xfrm>
+        </p:spPr>
+        <p:txBody>
+          <a:bodyPr/>
+          <a:lstStyle/>
+          <a:p>
+            <a:r>
+              <a:rPr lang="de-DE" sz="3200" dirty="0"/>
+              <a:t>Ausblick</a:t>
+            </a:r>
+          </a:p>
+        </p:txBody>
+      </p:sp>
+      <p:sp>
+        <p:nvSpPr>
+          <p:cNvPr id="6" name="Rechteck 5">
+            <a:extLst>
+              <a:ext uri="{FF2B5EF4-FFF2-40B4-BE49-F238E27FC236}">
+                <a16:creationId xmlns:a16="http://schemas.microsoft.com/office/drawing/2014/main" id="{AF12B9D7-B0AF-495F-8EFB-8527AB721D84}"/>
+              </a:ext>
+            </a:extLst>
+          </p:cNvPr>
+          <p:cNvSpPr/>
+          <p:nvPr/>
+        </p:nvSpPr>
+        <p:spPr>
+          <a:xfrm>
+            <a:off x="107504" y="6381328"/>
+            <a:ext cx="1728192" cy="315392"/>
+          </a:xfrm>
+          <a:prstGeom prst="rect">
+            <a:avLst/>
+          </a:prstGeom>
+        </p:spPr>
+        <p:style>
+          <a:lnRef idx="3">
+            <a:schemeClr val="lt1"/>
+          </a:lnRef>
+          <a:fillRef idx="1">
+            <a:schemeClr val="accent1"/>
+          </a:fillRef>
+          <a:effectRef idx="1">
+            <a:schemeClr val="accent1"/>
+          </a:effectRef>
+          <a:fontRef idx="minor">
+            <a:schemeClr val="lt1"/>
+          </a:fontRef>
+        </p:style>
+        <p:txBody>
+          <a:bodyPr rtlCol="0" anchor="ctr"/>
+          <a:lstStyle/>
+          <a:p>
+            <a:pPr algn="ctr"/>
+            <a:r>
+              <a:rPr lang="de-DE" sz="1600" dirty="0"/>
+              <a:t>Hintergrund</a:t>
+            </a:r>
+          </a:p>
+        </p:txBody>
+      </p:sp>
+      <p:sp>
+        <p:nvSpPr>
+          <p:cNvPr id="7" name="Rechteck 6">
+            <a:extLst>
+              <a:ext uri="{FF2B5EF4-FFF2-40B4-BE49-F238E27FC236}">
+                <a16:creationId xmlns:a16="http://schemas.microsoft.com/office/drawing/2014/main" id="{0A0E1088-9BBD-40BA-B13D-B118A4074DB4}"/>
+              </a:ext>
+            </a:extLst>
+          </p:cNvPr>
+          <p:cNvSpPr/>
+          <p:nvPr/>
+        </p:nvSpPr>
+        <p:spPr>
+          <a:xfrm>
+            <a:off x="1907704" y="6381328"/>
+            <a:ext cx="1728192" cy="315392"/>
+          </a:xfrm>
+          <a:prstGeom prst="rect">
+            <a:avLst/>
+          </a:prstGeom>
+        </p:spPr>
+        <p:style>
+          <a:lnRef idx="3">
+            <a:schemeClr val="lt1"/>
+          </a:lnRef>
+          <a:fillRef idx="1">
+            <a:schemeClr val="accent1"/>
+          </a:fillRef>
+          <a:effectRef idx="1">
+            <a:schemeClr val="accent1"/>
+          </a:effectRef>
+          <a:fontRef idx="minor">
+            <a:schemeClr val="lt1"/>
+          </a:fontRef>
+        </p:style>
+        <p:txBody>
+          <a:bodyPr rtlCol="0" anchor="ctr"/>
+          <a:lstStyle/>
+          <a:p>
+            <a:pPr algn="ctr"/>
+            <a:r>
+              <a:rPr lang="de-DE" sz="1600" dirty="0"/>
+              <a:t>Analyse</a:t>
+            </a:r>
+          </a:p>
+        </p:txBody>
+      </p:sp>
+      <p:sp>
+        <p:nvSpPr>
+          <p:cNvPr id="8" name="Rechteck 7">
+            <a:extLst>
+              <a:ext uri="{FF2B5EF4-FFF2-40B4-BE49-F238E27FC236}">
+                <a16:creationId xmlns:a16="http://schemas.microsoft.com/office/drawing/2014/main" id="{2C14A688-BB41-468E-B74F-61180DA3EBC9}"/>
+              </a:ext>
+            </a:extLst>
+          </p:cNvPr>
+          <p:cNvSpPr/>
+          <p:nvPr/>
+        </p:nvSpPr>
+        <p:spPr>
+          <a:xfrm>
+            <a:off x="3707904" y="6381328"/>
+            <a:ext cx="1728192" cy="315392"/>
+          </a:xfrm>
+          <a:prstGeom prst="rect">
+            <a:avLst/>
+          </a:prstGeom>
+        </p:spPr>
+        <p:style>
+          <a:lnRef idx="3">
+            <a:schemeClr val="lt1"/>
+          </a:lnRef>
+          <a:fillRef idx="1">
+            <a:schemeClr val="accent1"/>
+          </a:fillRef>
+          <a:effectRef idx="1">
+            <a:schemeClr val="accent1"/>
+          </a:effectRef>
+          <a:fontRef idx="minor">
+            <a:schemeClr val="lt1"/>
+          </a:fontRef>
+        </p:style>
+        <p:txBody>
+          <a:bodyPr rtlCol="0" anchor="ctr"/>
+          <a:lstStyle/>
+          <a:p>
+            <a:pPr algn="ctr"/>
+            <a:r>
+              <a:rPr lang="de-DE" sz="1600" dirty="0"/>
+              <a:t>Planung</a:t>
+            </a:r>
+          </a:p>
+        </p:txBody>
+      </p:sp>
+      <p:sp>
+        <p:nvSpPr>
+          <p:cNvPr id="9" name="Rechteck 8">
+            <a:extLst>
+              <a:ext uri="{FF2B5EF4-FFF2-40B4-BE49-F238E27FC236}">
+                <a16:creationId xmlns:a16="http://schemas.microsoft.com/office/drawing/2014/main" id="{C697DA87-24E4-468E-8E05-3CA46A9FB734}"/>
+              </a:ext>
+            </a:extLst>
+          </p:cNvPr>
+          <p:cNvSpPr/>
+          <p:nvPr/>
+        </p:nvSpPr>
+        <p:spPr>
+          <a:xfrm>
+            <a:off x="5508104" y="6381328"/>
+            <a:ext cx="1728192" cy="315392"/>
+          </a:xfrm>
+          <a:prstGeom prst="rect">
+            <a:avLst/>
+          </a:prstGeom>
+        </p:spPr>
+        <p:style>
+          <a:lnRef idx="3">
+            <a:schemeClr val="lt1"/>
+          </a:lnRef>
+          <a:fillRef idx="1">
+            <a:schemeClr val="accent1"/>
+          </a:fillRef>
+          <a:effectRef idx="1">
+            <a:schemeClr val="accent1"/>
+          </a:effectRef>
+          <a:fontRef idx="minor">
+            <a:schemeClr val="lt1"/>
+          </a:fontRef>
+        </p:style>
+        <p:txBody>
+          <a:bodyPr rtlCol="0" anchor="ctr"/>
+          <a:lstStyle/>
+          <a:p>
+            <a:pPr algn="ctr"/>
+            <a:r>
+              <a:rPr lang="de-DE" sz="1600" dirty="0"/>
+              <a:t>Implementierung</a:t>
+            </a:r>
+          </a:p>
+        </p:txBody>
+      </p:sp>
+      <p:sp>
+        <p:nvSpPr>
+          <p:cNvPr id="10" name="Rechteck 9">
+            <a:extLst>
+              <a:ext uri="{FF2B5EF4-FFF2-40B4-BE49-F238E27FC236}">
+                <a16:creationId xmlns:a16="http://schemas.microsoft.com/office/drawing/2014/main" id="{84159EA1-B77A-4A14-9ECC-1D0AE113E8CD}"/>
+              </a:ext>
+            </a:extLst>
+          </p:cNvPr>
+          <p:cNvSpPr/>
+          <p:nvPr/>
+        </p:nvSpPr>
+        <p:spPr>
+          <a:xfrm>
+            <a:off x="7308304" y="6381328"/>
+            <a:ext cx="1728192" cy="315392"/>
+          </a:xfrm>
+          <a:prstGeom prst="rect">
+            <a:avLst/>
+          </a:prstGeom>
+        </p:spPr>
+        <p:style>
+          <a:lnRef idx="3">
+            <a:schemeClr val="lt1"/>
+          </a:lnRef>
+          <a:fillRef idx="1">
+            <a:schemeClr val="accent5"/>
+          </a:fillRef>
+          <a:effectRef idx="1">
+            <a:schemeClr val="accent5"/>
+          </a:effectRef>
+          <a:fontRef idx="minor">
+            <a:schemeClr val="lt1"/>
+          </a:fontRef>
+        </p:style>
+        <p:txBody>
+          <a:bodyPr rtlCol="0" anchor="ctr"/>
+          <a:lstStyle/>
+          <a:p>
+            <a:pPr algn="ctr"/>
+            <a:r>
+              <a:rPr lang="de-DE" sz="1600" dirty="0"/>
+              <a:t>Fazit</a:t>
+            </a:r>
+          </a:p>
+        </p:txBody>
+      </p:sp>
+      <p:sp>
+        <p:nvSpPr>
+          <p:cNvPr id="4" name="Inhaltsplatzhalter 3">
+            <a:extLst>
+              <a:ext uri="{FF2B5EF4-FFF2-40B4-BE49-F238E27FC236}">
+                <a16:creationId xmlns:a16="http://schemas.microsoft.com/office/drawing/2014/main" id="{BDE017BE-9034-4D34-AAEE-10465F3781A2}"/>
+              </a:ext>
+            </a:extLst>
+          </p:cNvPr>
+          <p:cNvSpPr>
+            <a:spLocks noGrp="1"/>
+          </p:cNvSpPr>
+          <p:nvPr>
+            <p:ph idx="1"/>
+          </p:nvPr>
+        </p:nvSpPr>
+        <p:spPr>
+          <a:xfrm>
+            <a:off x="503238" y="1772816"/>
+            <a:ext cx="7381875" cy="3987800"/>
+          </a:xfrm>
+        </p:spPr>
+        <p:txBody>
+          <a:bodyPr/>
+          <a:lstStyle/>
+          <a:p>
+            <a:r>
+              <a:rPr lang="de-DE" sz="2400" dirty="0"/>
+              <a:t>Berücksichtigung Ausbreitung der Pest auf ganze Welt</a:t>
+            </a:r>
+          </a:p>
+          <a:p>
+            <a:r>
+              <a:rPr lang="de-DE" sz="2400" dirty="0"/>
+              <a:t>Veranschaulichung verschiedener Krankheiten</a:t>
+            </a:r>
+          </a:p>
+          <a:p>
+            <a:r>
+              <a:rPr lang="de-DE" sz="2400" dirty="0"/>
+              <a:t>zeitliche Darstellung seit Beginn</a:t>
+            </a:r>
+          </a:p>
+          <a:p>
+            <a:r>
+              <a:rPr lang="de-DE" sz="2400" dirty="0"/>
+              <a:t>Politische/wirtschaftliche Auswirkungen der Pest</a:t>
+            </a:r>
+          </a:p>
+          <a:p>
+            <a:r>
+              <a:rPr lang="de-DE" sz="2400" b="1" dirty="0"/>
+              <a:t>Designaspekte Landkarte</a:t>
+            </a:r>
+          </a:p>
+        </p:txBody>
+      </p:sp>
+    </p:spTree>
+    <p:extLst>
+      <p:ext uri="{BB962C8B-B14F-4D97-AF65-F5344CB8AC3E}">
+        <p14:creationId xmlns:p14="http://schemas.microsoft.com/office/powerpoint/2010/main" val="1053333516"/>
+      </p:ext>
+    </p:extLst>
+  </p:cSld>
+  <p:clrMapOvr>
+    <a:masterClrMapping/>
+  </p:clrMapOvr>
+  <p:transition>
+    <p:fade/>
+  </p:transition>
+</p:sld>
+</file>
+
+<file path=ppt/slides/slide21.xml><?xml version="1.0" encoding="utf-8"?>
+<p:sld xmlns:a="http://schemas.openxmlformats.org/drawingml/2006/main" xmlns:r="http://schemas.openxmlformats.org/officeDocument/2006/relationships" xmlns:p="http://schemas.openxmlformats.org/presentationml/2006/main">
+  <p:cSld>
+    <p:spTree>
+      <p:nvGrpSpPr>
+        <p:cNvPr id="1" name=""/>
+        <p:cNvGrpSpPr/>
+        <p:nvPr/>
+      </p:nvGrpSpPr>
+      <p:grpSpPr>
+        <a:xfrm>
+          <a:off x="0" y="0"/>
+          <a:ext cx="0" cy="0"/>
+          <a:chOff x="0" y="0"/>
+          <a:chExt cx="0" cy="0"/>
+        </a:xfrm>
+      </p:grpSpPr>
+      <p:sp>
+        <p:nvSpPr>
+          <p:cNvPr id="2" name="Titel 1">
+            <a:extLst>
+              <a:ext uri="{FF2B5EF4-FFF2-40B4-BE49-F238E27FC236}">
                 <a16:creationId xmlns:a16="http://schemas.microsoft.com/office/drawing/2014/main" id="{D335B73C-02AE-4933-B888-127BE1C09823}"/>
               </a:ext>
             </a:extLst>
@@ -27001,7 +27500,7 @@
 </p:sld>
 </file>
 
-<file path=ppt/slides/slide21.xml><?xml version="1.0" encoding="utf-8"?>
+<file path=ppt/slides/slide22.xml><?xml version="1.0" encoding="utf-8"?>
 <p:sld xmlns:a="http://schemas.openxmlformats.org/drawingml/2006/main" xmlns:r="http://schemas.openxmlformats.org/officeDocument/2006/relationships" xmlns:p="http://schemas.openxmlformats.org/presentationml/2006/main">
   <p:cSld>
     <p:spTree>
